--- a/Slides/Ders 6 4NF.pptx
+++ b/Slides/Ders 6 4NF.pptx
@@ -5,7 +5,7 @@
     <p:sldMasterId id="2147483660" r:id="rId1"/>
   </p:sldMasterIdLst>
   <p:notesMasterIdLst>
-    <p:notesMasterId r:id="rId19"/>
+    <p:notesMasterId r:id="rId20"/>
   </p:notesMasterIdLst>
   <p:sldIdLst>
     <p:sldId id="256" r:id="rId2"/>
@@ -14,17 +14,18 @@
     <p:sldId id="259" r:id="rId5"/>
     <p:sldId id="260" r:id="rId6"/>
     <p:sldId id="261" r:id="rId7"/>
-    <p:sldId id="262" r:id="rId8"/>
-    <p:sldId id="263" r:id="rId9"/>
-    <p:sldId id="264" r:id="rId10"/>
-    <p:sldId id="266" r:id="rId11"/>
-    <p:sldId id="265" r:id="rId12"/>
-    <p:sldId id="267" r:id="rId13"/>
-    <p:sldId id="268" r:id="rId14"/>
-    <p:sldId id="269" r:id="rId15"/>
-    <p:sldId id="270" r:id="rId16"/>
-    <p:sldId id="271" r:id="rId17"/>
-    <p:sldId id="272" r:id="rId18"/>
+    <p:sldId id="273" r:id="rId8"/>
+    <p:sldId id="262" r:id="rId9"/>
+    <p:sldId id="263" r:id="rId10"/>
+    <p:sldId id="264" r:id="rId11"/>
+    <p:sldId id="266" r:id="rId12"/>
+    <p:sldId id="265" r:id="rId13"/>
+    <p:sldId id="267" r:id="rId14"/>
+    <p:sldId id="268" r:id="rId15"/>
+    <p:sldId id="269" r:id="rId16"/>
+    <p:sldId id="270" r:id="rId17"/>
+    <p:sldId id="271" r:id="rId18"/>
+    <p:sldId id="272" r:id="rId19"/>
   </p:sldIdLst>
   <p:sldSz cx="9144000" cy="6858000" type="screen4x3"/>
   <p:notesSz cx="6858000" cy="9144000"/>
@@ -213,7 +214,7 @@
           <a:p>
             <a:fld id="{DD4244C5-5D67-C540-97C4-F007CFC432EF}" type="datetimeFigureOut">
               <a:rPr lang="tr-TR" smtClean="0"/>
-              <a:t>28.04.2023</a:t>
+              <a:t>4.05.2023</a:t>
             </a:fld>
             <a:endParaRPr lang="tr-TR"/>
           </a:p>
@@ -612,7 +613,7 @@
           <a:p>
             <a:fld id="{26396F4E-1D0B-3F44-AA0F-A3430AE5742F}" type="datetimeFigureOut">
               <a:rPr lang="tr-TR" smtClean="0"/>
-              <a:t>28.04.2023</a:t>
+              <a:t>4.05.2023</a:t>
             </a:fld>
             <a:endParaRPr lang="tr-TR"/>
           </a:p>
@@ -782,7 +783,7 @@
           <a:p>
             <a:fld id="{26396F4E-1D0B-3F44-AA0F-A3430AE5742F}" type="datetimeFigureOut">
               <a:rPr lang="tr-TR" smtClean="0"/>
-              <a:t>28.04.2023</a:t>
+              <a:t>4.05.2023</a:t>
             </a:fld>
             <a:endParaRPr lang="tr-TR"/>
           </a:p>
@@ -962,7 +963,7 @@
           <a:p>
             <a:fld id="{26396F4E-1D0B-3F44-AA0F-A3430AE5742F}" type="datetimeFigureOut">
               <a:rPr lang="tr-TR" smtClean="0"/>
-              <a:t>28.04.2023</a:t>
+              <a:t>4.05.2023</a:t>
             </a:fld>
             <a:endParaRPr lang="tr-TR"/>
           </a:p>
@@ -1132,7 +1133,7 @@
           <a:p>
             <a:fld id="{26396F4E-1D0B-3F44-AA0F-A3430AE5742F}" type="datetimeFigureOut">
               <a:rPr lang="tr-TR" smtClean="0"/>
-              <a:t>28.04.2023</a:t>
+              <a:t>4.05.2023</a:t>
             </a:fld>
             <a:endParaRPr lang="tr-TR"/>
           </a:p>
@@ -1376,7 +1377,7 @@
           <a:p>
             <a:fld id="{26396F4E-1D0B-3F44-AA0F-A3430AE5742F}" type="datetimeFigureOut">
               <a:rPr lang="tr-TR" smtClean="0"/>
-              <a:t>28.04.2023</a:t>
+              <a:t>4.05.2023</a:t>
             </a:fld>
             <a:endParaRPr lang="tr-TR"/>
           </a:p>
@@ -1608,7 +1609,7 @@
           <a:p>
             <a:fld id="{26396F4E-1D0B-3F44-AA0F-A3430AE5742F}" type="datetimeFigureOut">
               <a:rPr lang="tr-TR" smtClean="0"/>
-              <a:t>28.04.2023</a:t>
+              <a:t>4.05.2023</a:t>
             </a:fld>
             <a:endParaRPr lang="tr-TR"/>
           </a:p>
@@ -1975,7 +1976,7 @@
           <a:p>
             <a:fld id="{26396F4E-1D0B-3F44-AA0F-A3430AE5742F}" type="datetimeFigureOut">
               <a:rPr lang="tr-TR" smtClean="0"/>
-              <a:t>28.04.2023</a:t>
+              <a:t>4.05.2023</a:t>
             </a:fld>
             <a:endParaRPr lang="tr-TR"/>
           </a:p>
@@ -2093,7 +2094,7 @@
           <a:p>
             <a:fld id="{26396F4E-1D0B-3F44-AA0F-A3430AE5742F}" type="datetimeFigureOut">
               <a:rPr lang="tr-TR" smtClean="0"/>
-              <a:t>28.04.2023</a:t>
+              <a:t>4.05.2023</a:t>
             </a:fld>
             <a:endParaRPr lang="tr-TR"/>
           </a:p>
@@ -2188,7 +2189,7 @@
           <a:p>
             <a:fld id="{26396F4E-1D0B-3F44-AA0F-A3430AE5742F}" type="datetimeFigureOut">
               <a:rPr lang="tr-TR" smtClean="0"/>
-              <a:t>28.04.2023</a:t>
+              <a:t>4.05.2023</a:t>
             </a:fld>
             <a:endParaRPr lang="tr-TR"/>
           </a:p>
@@ -2465,7 +2466,7 @@
           <a:p>
             <a:fld id="{26396F4E-1D0B-3F44-AA0F-A3430AE5742F}" type="datetimeFigureOut">
               <a:rPr lang="tr-TR" smtClean="0"/>
-              <a:t>28.04.2023</a:t>
+              <a:t>4.05.2023</a:t>
             </a:fld>
             <a:endParaRPr lang="tr-TR"/>
           </a:p>
@@ -2722,7 +2723,7 @@
           <a:p>
             <a:fld id="{26396F4E-1D0B-3F44-AA0F-A3430AE5742F}" type="datetimeFigureOut">
               <a:rPr lang="tr-TR" smtClean="0"/>
-              <a:t>28.04.2023</a:t>
+              <a:t>4.05.2023</a:t>
             </a:fld>
             <a:endParaRPr lang="tr-TR"/>
           </a:p>
@@ -2935,7 +2936,7 @@
           <a:p>
             <a:fld id="{26396F4E-1D0B-3F44-AA0F-A3430AE5742F}" type="datetimeFigureOut">
               <a:rPr lang="tr-TR" smtClean="0"/>
-              <a:t>28.04.2023</a:t>
+              <a:t>4.05.2023</a:t>
             </a:fld>
             <a:endParaRPr lang="tr-TR"/>
           </a:p>
@@ -3564,6 +3565,549 @@
           <p:cNvPr id="2" name="Title 1">
             <a:extLst>
               <a:ext uri="{FF2B5EF4-FFF2-40B4-BE49-F238E27FC236}">
+                <a16:creationId xmlns:a16="http://schemas.microsoft.com/office/drawing/2014/main" id="{E4273244-3A03-28E2-AB0D-D36E651D60C3}"/>
+              </a:ext>
+            </a:extLst>
+          </p:cNvPr>
+          <p:cNvSpPr>
+            <a:spLocks noGrp="1"/>
+          </p:cNvSpPr>
+          <p:nvPr>
+            <p:ph type="title"/>
+          </p:nvPr>
+        </p:nvSpPr>
+        <p:spPr/>
+        <p:txBody>
+          <a:bodyPr/>
+          <a:lstStyle/>
+          <a:p>
+            <a:r>
+              <a:rPr lang="tr-TR" dirty="0"/>
+              <a:t>MVD Kuralları</a:t>
+            </a:r>
+          </a:p>
+        </p:txBody>
+      </p:sp>
+      <mc:AlternateContent xmlns:mc="http://schemas.openxmlformats.org/markup-compatibility/2006" xmlns:a14="http://schemas.microsoft.com/office/drawing/2010/main">
+        <mc:Choice Requires="a14">
+          <p:sp>
+            <p:nvSpPr>
+              <p:cNvPr id="3" name="Content Placeholder 2">
+                <a:extLst>
+                  <a:ext uri="{FF2B5EF4-FFF2-40B4-BE49-F238E27FC236}">
+                    <a16:creationId xmlns:a16="http://schemas.microsoft.com/office/drawing/2014/main" id="{57AE8624-363A-1AA9-8C44-D904A1EC13E7}"/>
+                  </a:ext>
+                </a:extLst>
+              </p:cNvPr>
+              <p:cNvSpPr>
+                <a:spLocks noGrp="1"/>
+              </p:cNvSpPr>
+              <p:nvPr>
+                <p:ph idx="1"/>
+              </p:nvPr>
+            </p:nvSpPr>
+            <p:spPr/>
+            <p:txBody>
+              <a:bodyPr/>
+              <a:lstStyle/>
+              <a:p>
+                <a:r>
+                  <a:rPr lang="tr-TR" dirty="0"/>
+                  <a:t>Kesişim kuralı:</a:t>
+                </a:r>
+              </a:p>
+              <a:p>
+                <a:pPr marL="0" indent="0">
+                  <a:buNone/>
+                </a:pPr>
+                <a:r>
+                  <a:rPr lang="tr-TR" b="0" dirty="0"/>
+                  <a:t>   </a:t>
+                </a:r>
+                <a14:m>
+                  <m:oMath xmlns:m="http://schemas.openxmlformats.org/officeDocument/2006/math">
+                    <m:acc>
+                      <m:accPr>
+                        <m:chr m:val="̅"/>
+                        <m:ctrlPr>
+                          <a:rPr lang="tr-TR" b="0" i="1" smtClean="0">
+                            <a:latin typeface="Cambria Math" panose="02040503050406030204" pitchFamily="18" charset="0"/>
+                          </a:rPr>
+                        </m:ctrlPr>
+                      </m:accPr>
+                      <m:e>
+                        <m:r>
+                          <a:rPr lang="tr-TR" b="0" i="1" smtClean="0">
+                            <a:latin typeface="Cambria Math" panose="02040503050406030204" pitchFamily="18" charset="0"/>
+                          </a:rPr>
+                          <m:t>𝐴</m:t>
+                        </m:r>
+                      </m:e>
+                    </m:acc>
+                    <m:r>
+                      <a:rPr lang="tr-TR" i="1">
+                        <a:latin typeface="Cambria Math" panose="02040503050406030204" pitchFamily="18" charset="0"/>
+                        <a:ea typeface="Cambria Math" panose="02040503050406030204" pitchFamily="18" charset="0"/>
+                      </a:rPr>
+                      <m:t>↠</m:t>
+                    </m:r>
+                    <m:acc>
+                      <m:accPr>
+                        <m:chr m:val="̅"/>
+                        <m:ctrlPr>
+                          <a:rPr lang="tr-TR" b="0" i="1" smtClean="0">
+                            <a:latin typeface="Cambria Math" panose="02040503050406030204" pitchFamily="18" charset="0"/>
+                            <a:ea typeface="Cambria Math" panose="02040503050406030204" pitchFamily="18" charset="0"/>
+                          </a:rPr>
+                        </m:ctrlPr>
+                      </m:accPr>
+                      <m:e>
+                        <m:r>
+                          <a:rPr lang="tr-TR" b="0" i="1" smtClean="0">
+                            <a:latin typeface="Cambria Math" panose="02040503050406030204" pitchFamily="18" charset="0"/>
+                            <a:ea typeface="Cambria Math" panose="02040503050406030204" pitchFamily="18" charset="0"/>
+                          </a:rPr>
+                          <m:t>𝐵</m:t>
+                        </m:r>
+                      </m:e>
+                    </m:acc>
+                  </m:oMath>
+                </a14:m>
+                <a:r>
+                  <a:rPr lang="tr-TR" dirty="0"/>
+                  <a:t> ve </a:t>
+                </a:r>
+                <a14:m>
+                  <m:oMath xmlns:m="http://schemas.openxmlformats.org/officeDocument/2006/math">
+                    <m:acc>
+                      <m:accPr>
+                        <m:chr m:val="̅"/>
+                        <m:ctrlPr>
+                          <a:rPr lang="tr-TR" i="1">
+                            <a:latin typeface="Cambria Math" panose="02040503050406030204" pitchFamily="18" charset="0"/>
+                          </a:rPr>
+                        </m:ctrlPr>
+                      </m:accPr>
+                      <m:e>
+                        <m:r>
+                          <a:rPr lang="tr-TR" i="1">
+                            <a:latin typeface="Cambria Math" panose="02040503050406030204" pitchFamily="18" charset="0"/>
+                          </a:rPr>
+                          <m:t>𝐴</m:t>
+                        </m:r>
+                      </m:e>
+                    </m:acc>
+                    <m:r>
+                      <a:rPr lang="tr-TR" i="1">
+                        <a:latin typeface="Cambria Math" panose="02040503050406030204" pitchFamily="18" charset="0"/>
+                        <a:ea typeface="Cambria Math" panose="02040503050406030204" pitchFamily="18" charset="0"/>
+                      </a:rPr>
+                      <m:t>↠</m:t>
+                    </m:r>
+                    <m:acc>
+                      <m:accPr>
+                        <m:chr m:val="̅"/>
+                        <m:ctrlPr>
+                          <a:rPr lang="tr-TR" i="1">
+                            <a:latin typeface="Cambria Math" panose="02040503050406030204" pitchFamily="18" charset="0"/>
+                            <a:ea typeface="Cambria Math" panose="02040503050406030204" pitchFamily="18" charset="0"/>
+                          </a:rPr>
+                        </m:ctrlPr>
+                      </m:accPr>
+                      <m:e>
+                        <m:r>
+                          <a:rPr lang="tr-TR" b="0" i="1" smtClean="0">
+                            <a:latin typeface="Cambria Math" panose="02040503050406030204" pitchFamily="18" charset="0"/>
+                            <a:ea typeface="Cambria Math" panose="02040503050406030204" pitchFamily="18" charset="0"/>
+                          </a:rPr>
+                          <m:t>𝐶</m:t>
+                        </m:r>
+                      </m:e>
+                    </m:acc>
+                  </m:oMath>
+                </a14:m>
+                <a:r>
+                  <a:rPr lang="tr-TR" dirty="0"/>
+                  <a:t> ise </a:t>
+                </a:r>
+                <a14:m>
+                  <m:oMath xmlns:m="http://schemas.openxmlformats.org/officeDocument/2006/math">
+                    <m:acc>
+                      <m:accPr>
+                        <m:chr m:val="̅"/>
+                        <m:ctrlPr>
+                          <a:rPr lang="tr-TR" i="1">
+                            <a:latin typeface="Cambria Math" panose="02040503050406030204" pitchFamily="18" charset="0"/>
+                          </a:rPr>
+                        </m:ctrlPr>
+                      </m:accPr>
+                      <m:e>
+                        <m:r>
+                          <a:rPr lang="tr-TR" i="1">
+                            <a:latin typeface="Cambria Math" panose="02040503050406030204" pitchFamily="18" charset="0"/>
+                          </a:rPr>
+                          <m:t>𝐴</m:t>
+                        </m:r>
+                      </m:e>
+                    </m:acc>
+                    <m:r>
+                      <a:rPr lang="tr-TR" i="1">
+                        <a:latin typeface="Cambria Math" panose="02040503050406030204" pitchFamily="18" charset="0"/>
+                        <a:ea typeface="Cambria Math" panose="02040503050406030204" pitchFamily="18" charset="0"/>
+                      </a:rPr>
+                      <m:t>↠</m:t>
+                    </m:r>
+                    <m:acc>
+                      <m:accPr>
+                        <m:chr m:val="̅"/>
+                        <m:ctrlPr>
+                          <a:rPr lang="tr-TR" i="1">
+                            <a:latin typeface="Cambria Math" panose="02040503050406030204" pitchFamily="18" charset="0"/>
+                            <a:ea typeface="Cambria Math" panose="02040503050406030204" pitchFamily="18" charset="0"/>
+                          </a:rPr>
+                        </m:ctrlPr>
+                      </m:accPr>
+                      <m:e>
+                        <m:r>
+                          <a:rPr lang="tr-TR" i="1">
+                            <a:latin typeface="Cambria Math" panose="02040503050406030204" pitchFamily="18" charset="0"/>
+                            <a:ea typeface="Cambria Math" panose="02040503050406030204" pitchFamily="18" charset="0"/>
+                          </a:rPr>
+                          <m:t>𝐵</m:t>
+                        </m:r>
+                      </m:e>
+                    </m:acc>
+                    <m:r>
+                      <a:rPr lang="tr-TR" i="1" smtClean="0">
+                        <a:latin typeface="Cambria Math" panose="02040503050406030204" pitchFamily="18" charset="0"/>
+                        <a:ea typeface="Cambria Math" panose="02040503050406030204" pitchFamily="18" charset="0"/>
+                      </a:rPr>
+                      <m:t>∩</m:t>
+                    </m:r>
+                    <m:acc>
+                      <m:accPr>
+                        <m:chr m:val="̅"/>
+                        <m:ctrlPr>
+                          <a:rPr lang="tr-TR" i="1">
+                            <a:latin typeface="Cambria Math" panose="02040503050406030204" pitchFamily="18" charset="0"/>
+                            <a:ea typeface="Cambria Math" panose="02040503050406030204" pitchFamily="18" charset="0"/>
+                          </a:rPr>
+                        </m:ctrlPr>
+                      </m:accPr>
+                      <m:e>
+                        <m:r>
+                          <a:rPr lang="tr-TR" i="1">
+                            <a:latin typeface="Cambria Math" panose="02040503050406030204" pitchFamily="18" charset="0"/>
+                            <a:ea typeface="Cambria Math" panose="02040503050406030204" pitchFamily="18" charset="0"/>
+                          </a:rPr>
+                          <m:t>𝐶</m:t>
+                        </m:r>
+                      </m:e>
+                    </m:acc>
+                  </m:oMath>
+                </a14:m>
+                <a:r>
+                  <a:rPr lang="tr-TR" dirty="0"/>
+                  <a:t>'</a:t>
+                </a:r>
+                <a:r>
+                  <a:rPr lang="tr-TR" dirty="0" err="1"/>
+                  <a:t>dir</a:t>
+                </a:r>
+                <a:r>
+                  <a:rPr lang="tr-TR" dirty="0"/>
+                  <a:t>.</a:t>
+                </a:r>
+              </a:p>
+              <a:p>
+                <a:endParaRPr lang="tr-TR" dirty="0"/>
+              </a:p>
+              <a:p>
+                <a:r>
+                  <a:rPr lang="tr-TR" dirty="0" err="1"/>
+                  <a:t>Geçişkenlik</a:t>
+                </a:r>
+                <a:r>
+                  <a:rPr lang="tr-TR" dirty="0"/>
+                  <a:t> kuralı: </a:t>
+                </a:r>
+              </a:p>
+              <a:p>
+                <a:pPr marL="0" indent="0">
+                  <a:buNone/>
+                </a:pPr>
+                <a:r>
+                  <a:rPr lang="tr-TR" b="0" dirty="0"/>
+                  <a:t>   </a:t>
+                </a:r>
+                <a14:m>
+                  <m:oMath xmlns:m="http://schemas.openxmlformats.org/officeDocument/2006/math">
+                    <m:acc>
+                      <m:accPr>
+                        <m:chr m:val="̅"/>
+                        <m:ctrlPr>
+                          <a:rPr lang="tr-TR" b="0" i="1" smtClean="0">
+                            <a:latin typeface="Cambria Math" panose="02040503050406030204" pitchFamily="18" charset="0"/>
+                          </a:rPr>
+                        </m:ctrlPr>
+                      </m:accPr>
+                      <m:e>
+                        <m:r>
+                          <a:rPr lang="tr-TR" b="0" i="1" smtClean="0">
+                            <a:latin typeface="Cambria Math" panose="02040503050406030204" pitchFamily="18" charset="0"/>
+                          </a:rPr>
+                          <m:t>𝐴</m:t>
+                        </m:r>
+                      </m:e>
+                    </m:acc>
+                    <m:r>
+                      <a:rPr lang="tr-TR" i="1">
+                        <a:latin typeface="Cambria Math" panose="02040503050406030204" pitchFamily="18" charset="0"/>
+                        <a:ea typeface="Cambria Math" panose="02040503050406030204" pitchFamily="18" charset="0"/>
+                      </a:rPr>
+                      <m:t>↠</m:t>
+                    </m:r>
+                    <m:acc>
+                      <m:accPr>
+                        <m:chr m:val="̅"/>
+                        <m:ctrlPr>
+                          <a:rPr lang="tr-TR" b="0" i="1" smtClean="0">
+                            <a:latin typeface="Cambria Math" panose="02040503050406030204" pitchFamily="18" charset="0"/>
+                            <a:ea typeface="Cambria Math" panose="02040503050406030204" pitchFamily="18" charset="0"/>
+                          </a:rPr>
+                        </m:ctrlPr>
+                      </m:accPr>
+                      <m:e>
+                        <m:r>
+                          <a:rPr lang="tr-TR" b="0" i="1" smtClean="0">
+                            <a:latin typeface="Cambria Math" panose="02040503050406030204" pitchFamily="18" charset="0"/>
+                            <a:ea typeface="Cambria Math" panose="02040503050406030204" pitchFamily="18" charset="0"/>
+                          </a:rPr>
+                          <m:t>𝐵</m:t>
+                        </m:r>
+                      </m:e>
+                    </m:acc>
+                  </m:oMath>
+                </a14:m>
+                <a:r>
+                  <a:rPr lang="tr-TR" dirty="0"/>
+                  <a:t> ve </a:t>
+                </a:r>
+                <a14:m>
+                  <m:oMath xmlns:m="http://schemas.openxmlformats.org/officeDocument/2006/math">
+                    <m:acc>
+                      <m:accPr>
+                        <m:chr m:val="̅"/>
+                        <m:ctrlPr>
+                          <a:rPr lang="tr-TR" i="1">
+                            <a:latin typeface="Cambria Math" panose="02040503050406030204" pitchFamily="18" charset="0"/>
+                          </a:rPr>
+                        </m:ctrlPr>
+                      </m:accPr>
+                      <m:e>
+                        <m:r>
+                          <a:rPr lang="tr-TR" b="0" i="1" smtClean="0">
+                            <a:latin typeface="Cambria Math" panose="02040503050406030204" pitchFamily="18" charset="0"/>
+                          </a:rPr>
+                          <m:t>𝐵</m:t>
+                        </m:r>
+                      </m:e>
+                    </m:acc>
+                    <m:r>
+                      <a:rPr lang="tr-TR" i="1">
+                        <a:latin typeface="Cambria Math" panose="02040503050406030204" pitchFamily="18" charset="0"/>
+                        <a:ea typeface="Cambria Math" panose="02040503050406030204" pitchFamily="18" charset="0"/>
+                      </a:rPr>
+                      <m:t>↠</m:t>
+                    </m:r>
+                    <m:acc>
+                      <m:accPr>
+                        <m:chr m:val="̅"/>
+                        <m:ctrlPr>
+                          <a:rPr lang="tr-TR" i="1">
+                            <a:latin typeface="Cambria Math" panose="02040503050406030204" pitchFamily="18" charset="0"/>
+                            <a:ea typeface="Cambria Math" panose="02040503050406030204" pitchFamily="18" charset="0"/>
+                          </a:rPr>
+                        </m:ctrlPr>
+                      </m:accPr>
+                      <m:e>
+                        <m:r>
+                          <a:rPr lang="tr-TR" b="0" i="1" smtClean="0">
+                            <a:latin typeface="Cambria Math" panose="02040503050406030204" pitchFamily="18" charset="0"/>
+                            <a:ea typeface="Cambria Math" panose="02040503050406030204" pitchFamily="18" charset="0"/>
+                          </a:rPr>
+                          <m:t>𝐶</m:t>
+                        </m:r>
+                      </m:e>
+                    </m:acc>
+                  </m:oMath>
+                </a14:m>
+                <a:r>
+                  <a:rPr lang="tr-TR" dirty="0"/>
+                  <a:t> ise </a:t>
+                </a:r>
+                <a14:m>
+                  <m:oMath xmlns:m="http://schemas.openxmlformats.org/officeDocument/2006/math">
+                    <m:acc>
+                      <m:accPr>
+                        <m:chr m:val="̅"/>
+                        <m:ctrlPr>
+                          <a:rPr lang="tr-TR" i="1">
+                            <a:latin typeface="Cambria Math" panose="02040503050406030204" pitchFamily="18" charset="0"/>
+                          </a:rPr>
+                        </m:ctrlPr>
+                      </m:accPr>
+                      <m:e>
+                        <m:r>
+                          <a:rPr lang="tr-TR" i="1">
+                            <a:latin typeface="Cambria Math" panose="02040503050406030204" pitchFamily="18" charset="0"/>
+                          </a:rPr>
+                          <m:t>𝐴</m:t>
+                        </m:r>
+                      </m:e>
+                    </m:acc>
+                    <m:r>
+                      <a:rPr lang="tr-TR" i="1">
+                        <a:latin typeface="Cambria Math" panose="02040503050406030204" pitchFamily="18" charset="0"/>
+                        <a:ea typeface="Cambria Math" panose="02040503050406030204" pitchFamily="18" charset="0"/>
+                      </a:rPr>
+                      <m:t>↠</m:t>
+                    </m:r>
+                    <m:acc>
+                      <m:accPr>
+                        <m:chr m:val="̅"/>
+                        <m:ctrlPr>
+                          <a:rPr lang="tr-TR" i="1">
+                            <a:latin typeface="Cambria Math" panose="02040503050406030204" pitchFamily="18" charset="0"/>
+                            <a:ea typeface="Cambria Math" panose="02040503050406030204" pitchFamily="18" charset="0"/>
+                          </a:rPr>
+                        </m:ctrlPr>
+                      </m:accPr>
+                      <m:e>
+                        <m:r>
+                          <a:rPr lang="tr-TR" b="0" i="1" smtClean="0">
+                            <a:latin typeface="Cambria Math" panose="02040503050406030204" pitchFamily="18" charset="0"/>
+                            <a:ea typeface="Cambria Math" panose="02040503050406030204" pitchFamily="18" charset="0"/>
+                          </a:rPr>
+                          <m:t>𝐶</m:t>
+                        </m:r>
+                      </m:e>
+                    </m:acc>
+                    <m:r>
+                      <a:rPr lang="tr-TR" b="0" i="1" smtClean="0">
+                        <a:latin typeface="Cambria Math" panose="02040503050406030204" pitchFamily="18" charset="0"/>
+                        <a:ea typeface="Cambria Math" panose="02040503050406030204" pitchFamily="18" charset="0"/>
+                      </a:rPr>
+                      <m:t>−</m:t>
+                    </m:r>
+                    <m:acc>
+                      <m:accPr>
+                        <m:chr m:val="̅"/>
+                        <m:ctrlPr>
+                          <a:rPr lang="tr-TR" i="1">
+                            <a:latin typeface="Cambria Math" panose="02040503050406030204" pitchFamily="18" charset="0"/>
+                            <a:ea typeface="Cambria Math" panose="02040503050406030204" pitchFamily="18" charset="0"/>
+                          </a:rPr>
+                        </m:ctrlPr>
+                      </m:accPr>
+                      <m:e>
+                        <m:r>
+                          <a:rPr lang="tr-TR" b="0" i="1" smtClean="0">
+                            <a:latin typeface="Cambria Math" panose="02040503050406030204" pitchFamily="18" charset="0"/>
+                            <a:ea typeface="Cambria Math" panose="02040503050406030204" pitchFamily="18" charset="0"/>
+                          </a:rPr>
+                          <m:t>𝐵</m:t>
+                        </m:r>
+                      </m:e>
+                    </m:acc>
+                  </m:oMath>
+                </a14:m>
+                <a:r>
+                  <a:rPr lang="tr-TR" dirty="0"/>
+                  <a:t>'dir.</a:t>
+                </a:r>
+              </a:p>
+              <a:p>
+                <a:endParaRPr lang="tr-TR" dirty="0"/>
+              </a:p>
+            </p:txBody>
+          </p:sp>
+        </mc:Choice>
+        <mc:Fallback xmlns="">
+          <p:sp>
+            <p:nvSpPr>
+              <p:cNvPr id="3" name="Content Placeholder 2">
+                <a:extLst>
+                  <a:ext uri="{FF2B5EF4-FFF2-40B4-BE49-F238E27FC236}">
+                    <a16:creationId xmlns:a16="http://schemas.microsoft.com/office/drawing/2014/main" id="{57AE8624-363A-1AA9-8C44-D904A1EC13E7}"/>
+                  </a:ext>
+                </a:extLst>
+              </p:cNvPr>
+              <p:cNvSpPr>
+                <a:spLocks noGrp="1" noRot="1" noChangeAspect="1" noMove="1" noResize="1" noEditPoints="1" noAdjustHandles="1" noChangeArrowheads="1" noChangeShapeType="1" noTextEdit="1"/>
+              </p:cNvSpPr>
+              <p:nvPr>
+                <p:ph idx="1"/>
+              </p:nvPr>
+            </p:nvSpPr>
+            <p:spPr>
+              <a:blipFill>
+                <a:blip r:embed="rId2"/>
+                <a:stretch>
+                  <a:fillRect l="-1447" t="-2326"/>
+                </a:stretch>
+              </a:blipFill>
+            </p:spPr>
+            <p:txBody>
+              <a:bodyPr/>
+              <a:lstStyle/>
+              <a:p>
+                <a:r>
+                  <a:rPr lang="tr-TR">
+                    <a:noFill/>
+                  </a:rPr>
+                  <a:t> </a:t>
+                </a:r>
+              </a:p>
+            </p:txBody>
+          </p:sp>
+        </mc:Fallback>
+      </mc:AlternateContent>
+    </p:spTree>
+    <p:extLst>
+      <p:ext uri="{BB962C8B-B14F-4D97-AF65-F5344CB8AC3E}">
+        <p14:creationId xmlns:p14="http://schemas.microsoft.com/office/powerpoint/2010/main" val="2362466070"/>
+      </p:ext>
+    </p:extLst>
+  </p:cSld>
+  <p:clrMapOvr>
+    <a:masterClrMapping/>
+  </p:clrMapOvr>
+</p:sld>
+</file>
+
+<file path=ppt/slides/slide11.xml><?xml version="1.0" encoding="utf-8"?>
+<p:sld xmlns:a="http://schemas.openxmlformats.org/drawingml/2006/main" xmlns:r="http://schemas.openxmlformats.org/officeDocument/2006/relationships" xmlns:p="http://schemas.openxmlformats.org/presentationml/2006/main">
+  <p:cSld>
+    <p:spTree>
+      <p:nvGrpSpPr>
+        <p:cNvPr id="1" name=""/>
+        <p:cNvGrpSpPr/>
+        <p:nvPr/>
+      </p:nvGrpSpPr>
+      <p:grpSpPr>
+        <a:xfrm>
+          <a:off x="0" y="0"/>
+          <a:ext cx="0" cy="0"/>
+          <a:chOff x="0" y="0"/>
+          <a:chExt cx="0" cy="0"/>
+        </a:xfrm>
+      </p:grpSpPr>
+      <p:sp>
+        <p:nvSpPr>
+          <p:cNvPr id="2" name="Title 1">
+            <a:extLst>
+              <a:ext uri="{FF2B5EF4-FFF2-40B4-BE49-F238E27FC236}">
                 <a16:creationId xmlns:a16="http://schemas.microsoft.com/office/drawing/2014/main" id="{003C3DBA-BF04-0848-D1BA-C8A52C59E969}"/>
               </a:ext>
             </a:extLst>
@@ -3587,8 +4131,8 @@
           </a:p>
         </p:txBody>
       </p:sp>
-      <mc:AlternateContent xmlns:mc="http://schemas.openxmlformats.org/markup-compatibility/2006">
-        <mc:Choice xmlns:a14="http://schemas.microsoft.com/office/drawing/2010/main" Requires="a14">
+      <mc:AlternateContent xmlns:mc="http://schemas.openxmlformats.org/markup-compatibility/2006" xmlns:a14="http://schemas.microsoft.com/office/drawing/2010/main">
+        <mc:Choice Requires="a14">
           <p:sp>
             <p:nvSpPr>
               <p:cNvPr id="3" name="Content Placeholder 2">
@@ -3873,7 +4417,7 @@
             </p:txBody>
           </p:sp>
         </mc:Choice>
-        <mc:Fallback>
+        <mc:Fallback xmlns="">
           <p:sp>
             <p:nvSpPr>
               <p:cNvPr id="3" name="Content Placeholder 2">
@@ -3926,7 +4470,7 @@
 </p:sld>
 </file>
 
-<file path=ppt/slides/slide11.xml><?xml version="1.0" encoding="utf-8"?>
+<file path=ppt/slides/slide12.xml><?xml version="1.0" encoding="utf-8"?>
 <p:sld xmlns:a="http://schemas.openxmlformats.org/drawingml/2006/main" xmlns:r="http://schemas.openxmlformats.org/officeDocument/2006/relationships" xmlns:p="http://schemas.openxmlformats.org/presentationml/2006/main">
   <p:cSld>
     <p:spTree>
@@ -3971,8 +4515,8 @@
           </a:p>
         </p:txBody>
       </p:sp>
-      <mc:AlternateContent xmlns:mc="http://schemas.openxmlformats.org/markup-compatibility/2006">
-        <mc:Choice xmlns:a14="http://schemas.microsoft.com/office/drawing/2010/main" Requires="a14">
+      <mc:AlternateContent xmlns:mc="http://schemas.openxmlformats.org/markup-compatibility/2006" xmlns:a14="http://schemas.microsoft.com/office/drawing/2010/main">
+        <mc:Choice Requires="a14">
           <p:sp>
             <p:nvSpPr>
               <p:cNvPr id="3" name="Content Placeholder 2">
@@ -4311,7 +4855,7 @@
             </p:txBody>
           </p:sp>
         </mc:Choice>
-        <mc:Fallback>
+        <mc:Fallback xmlns="">
           <p:sp>
             <p:nvSpPr>
               <p:cNvPr id="3" name="Content Placeholder 2">
@@ -4364,7 +4908,7 @@
 </p:sld>
 </file>
 
-<file path=ppt/slides/slide12.xml><?xml version="1.0" encoding="utf-8"?>
+<file path=ppt/slides/slide13.xml><?xml version="1.0" encoding="utf-8"?>
 <p:sld xmlns:a="http://schemas.openxmlformats.org/drawingml/2006/main" xmlns:r="http://schemas.openxmlformats.org/officeDocument/2006/relationships" xmlns:p="http://schemas.openxmlformats.org/presentationml/2006/main">
   <p:cSld>
     <p:spTree>
@@ -4409,8 +4953,8 @@
           </a:p>
         </p:txBody>
       </p:sp>
-      <mc:AlternateContent xmlns:mc="http://schemas.openxmlformats.org/markup-compatibility/2006">
-        <mc:Choice xmlns:a14="http://schemas.microsoft.com/office/drawing/2010/main" Requires="a14">
+      <mc:AlternateContent xmlns:mc="http://schemas.openxmlformats.org/markup-compatibility/2006" xmlns:a14="http://schemas.microsoft.com/office/drawing/2010/main">
+        <mc:Choice Requires="a14">
           <p:sp>
             <p:nvSpPr>
               <p:cNvPr id="3" name="Content Placeholder 2">
@@ -4508,7 +5052,7 @@
             </p:txBody>
           </p:sp>
         </mc:Choice>
-        <mc:Fallback>
+        <mc:Fallback xmlns="">
           <p:sp>
             <p:nvSpPr>
               <p:cNvPr id="3" name="Content Placeholder 2">
@@ -4552,275 +5096,6 @@
     <p:extLst>
       <p:ext uri="{BB962C8B-B14F-4D97-AF65-F5344CB8AC3E}">
         <p14:creationId xmlns:p14="http://schemas.microsoft.com/office/powerpoint/2010/main" val="2713873307"/>
-      </p:ext>
-    </p:extLst>
-  </p:cSld>
-  <p:clrMapOvr>
-    <a:masterClrMapping/>
-  </p:clrMapOvr>
-</p:sld>
-</file>
-
-<file path=ppt/slides/slide13.xml><?xml version="1.0" encoding="utf-8"?>
-<p:sld xmlns:a="http://schemas.openxmlformats.org/drawingml/2006/main" xmlns:r="http://schemas.openxmlformats.org/officeDocument/2006/relationships" xmlns:p="http://schemas.openxmlformats.org/presentationml/2006/main">
-  <p:cSld>
-    <p:spTree>
-      <p:nvGrpSpPr>
-        <p:cNvPr id="1" name=""/>
-        <p:cNvGrpSpPr/>
-        <p:nvPr/>
-      </p:nvGrpSpPr>
-      <p:grpSpPr>
-        <a:xfrm>
-          <a:off x="0" y="0"/>
-          <a:ext cx="0" cy="0"/>
-          <a:chOff x="0" y="0"/>
-          <a:chExt cx="0" cy="0"/>
-        </a:xfrm>
-      </p:grpSpPr>
-      <p:sp>
-        <p:nvSpPr>
-          <p:cNvPr id="2" name="Title 1">
-            <a:extLst>
-              <a:ext uri="{FF2B5EF4-FFF2-40B4-BE49-F238E27FC236}">
-                <a16:creationId xmlns:a16="http://schemas.microsoft.com/office/drawing/2014/main" id="{70169A36-09BA-838B-96CC-3D4BD5DDD6BD}"/>
-              </a:ext>
-            </a:extLst>
-          </p:cNvPr>
-          <p:cNvSpPr>
-            <a:spLocks noGrp="1"/>
-          </p:cNvSpPr>
-          <p:nvPr>
-            <p:ph type="title"/>
-          </p:nvPr>
-        </p:nvSpPr>
-        <p:spPr/>
-        <p:txBody>
-          <a:bodyPr/>
-          <a:lstStyle/>
-          <a:p>
-            <a:r>
-              <a:rPr lang="tr-TR" dirty="0"/>
-              <a:t>Örnek 2</a:t>
-            </a:r>
-          </a:p>
-        </p:txBody>
-      </p:sp>
-      <mc:AlternateContent xmlns:mc="http://schemas.openxmlformats.org/markup-compatibility/2006">
-        <mc:Choice xmlns:a14="http://schemas.microsoft.com/office/drawing/2010/main" Requires="a14">
-          <p:sp>
-            <p:nvSpPr>
-              <p:cNvPr id="3" name="Content Placeholder 2">
-                <a:extLst>
-                  <a:ext uri="{FF2B5EF4-FFF2-40B4-BE49-F238E27FC236}">
-                    <a16:creationId xmlns:a16="http://schemas.microsoft.com/office/drawing/2014/main" id="{70220D16-AE31-56A1-0F6D-518295486E99}"/>
-                  </a:ext>
-                </a:extLst>
-              </p:cNvPr>
-              <p:cNvSpPr>
-                <a:spLocks noGrp="1"/>
-              </p:cNvSpPr>
-              <p:nvPr>
-                <p:ph idx="1"/>
-              </p:nvPr>
-            </p:nvSpPr>
-            <p:spPr/>
-            <p:txBody>
-              <a:bodyPr>
-                <a:normAutofit lnSpcReduction="10000"/>
-              </a:bodyPr>
-              <a:lstStyle/>
-              <a:p>
-                <a:r>
-                  <a:rPr lang="tr-TR" dirty="0"/>
-                  <a:t>Başvurular(</a:t>
-                </a:r>
-                <a:r>
-                  <a:rPr lang="tr-TR" dirty="0" err="1"/>
-                  <a:t>TCNo</a:t>
-                </a:r>
-                <a:r>
-                  <a:rPr lang="tr-TR" dirty="0"/>
-                  <a:t>, </a:t>
-                </a:r>
-                <a:r>
-                  <a:rPr lang="tr-TR" dirty="0" err="1"/>
-                  <a:t>üni</a:t>
-                </a:r>
-                <a:r>
-                  <a:rPr lang="tr-TR" dirty="0"/>
-                  <a:t>, tarih, </a:t>
-                </a:r>
-                <a:r>
-                  <a:rPr lang="tr-TR" dirty="0" err="1"/>
-                  <a:t>anaDal</a:t>
-                </a:r>
-                <a:r>
-                  <a:rPr lang="tr-TR" dirty="0"/>
-                  <a:t>, hobi)</a:t>
-                </a:r>
-              </a:p>
-              <a:p>
-                <a:r>
-                  <a:rPr lang="tr-TR" sz="2800" dirty="0"/>
-                  <a:t>Hobiler üniversitelere seçici olarak gösteriliyor.</a:t>
-                </a:r>
-              </a:p>
-              <a:p>
-                <a:r>
-                  <a:rPr lang="tr-TR" sz="2800" dirty="0"/>
-                  <a:t>Üniversite adları eşsizdir.</a:t>
-                </a:r>
-              </a:p>
-              <a:p>
-                <a:r>
-                  <a:rPr lang="tr-TR" sz="2800" dirty="0"/>
-                  <a:t>Öğrenci bir gün içinde aynı üniversiteye bir başvuruda bulunabilir. Ancak aynı üniversitenin başka bir ana dalına başka bir gün başvuruda bulunmasında bir sakınca yoktur.</a:t>
-                </a:r>
-              </a:p>
-              <a:p>
-                <a:r>
-                  <a:rPr lang="tr-TR" dirty="0" err="1"/>
-                  <a:t>TCNo</a:t>
-                </a:r>
-                <a:r>
-                  <a:rPr lang="tr-TR" dirty="0"/>
-                  <a:t>, </a:t>
-                </a:r>
-                <a:r>
-                  <a:rPr lang="tr-TR" dirty="0" err="1"/>
-                  <a:t>üni</a:t>
-                </a:r>
-                <a:r>
-                  <a:rPr lang="tr-TR" dirty="0"/>
-                  <a:t> </a:t>
-                </a:r>
-                <a14:m>
-                  <m:oMath xmlns:m="http://schemas.openxmlformats.org/officeDocument/2006/math">
-                    <m:r>
-                      <a:rPr lang="tr-TR" b="0" i="1" smtClean="0">
-                        <a:latin typeface="Cambria Math" panose="02040503050406030204" pitchFamily="18" charset="0"/>
-                        <a:ea typeface="Cambria Math" panose="02040503050406030204" pitchFamily="18" charset="0"/>
-                      </a:rPr>
-                      <m:t>→</m:t>
-                    </m:r>
-                  </m:oMath>
-                </a14:m>
-                <a:r>
-                  <a:rPr lang="tr-TR" dirty="0"/>
-                  <a:t> tarih</a:t>
-                </a:r>
-              </a:p>
-              <a:p>
-                <a:r>
-                  <a:rPr lang="tr-TR" dirty="0" err="1"/>
-                  <a:t>TCNo</a:t>
-                </a:r>
-                <a:r>
-                  <a:rPr lang="tr-TR" dirty="0"/>
-                  <a:t>, </a:t>
-                </a:r>
-                <a:r>
-                  <a:rPr lang="tr-TR" dirty="0" err="1"/>
-                  <a:t>üni</a:t>
-                </a:r>
-                <a:r>
-                  <a:rPr lang="tr-TR" dirty="0"/>
-                  <a:t>, tarih </a:t>
-                </a:r>
-                <a14:m>
-                  <m:oMath xmlns:m="http://schemas.openxmlformats.org/officeDocument/2006/math">
-                    <m:r>
-                      <a:rPr lang="tr-TR" i="1" smtClean="0">
-                        <a:latin typeface="Cambria Math" panose="02040503050406030204" pitchFamily="18" charset="0"/>
-                        <a:ea typeface="Cambria Math" panose="02040503050406030204" pitchFamily="18" charset="0"/>
-                      </a:rPr>
-                      <m:t>↠</m:t>
-                    </m:r>
-                  </m:oMath>
-                </a14:m>
-                <a:r>
-                  <a:rPr lang="tr-TR" dirty="0"/>
-                  <a:t> anaDal</a:t>
-                </a:r>
-              </a:p>
-              <a:p>
-                <a:r>
-                  <a:rPr lang="tr-TR" dirty="0"/>
-                  <a:t>Anahtar = </a:t>
-                </a:r>
-                <a:r>
-                  <a:rPr lang="tr-TR" dirty="0" err="1"/>
-                  <a:t>TCNo</a:t>
-                </a:r>
-                <a:r>
-                  <a:rPr lang="tr-TR" dirty="0"/>
-                  <a:t>, </a:t>
-                </a:r>
-                <a:r>
-                  <a:rPr lang="tr-TR" dirty="0" err="1"/>
-                  <a:t>üni</a:t>
-                </a:r>
-                <a:r>
-                  <a:rPr lang="tr-TR" dirty="0"/>
-                  <a:t>, tarih, </a:t>
-                </a:r>
-                <a:r>
-                  <a:rPr lang="tr-TR" dirty="0" err="1"/>
-                  <a:t>anaDal</a:t>
-                </a:r>
-                <a:r>
-                  <a:rPr lang="tr-TR" dirty="0"/>
-                  <a:t>, hobi</a:t>
-                </a:r>
-              </a:p>
-            </p:txBody>
-          </p:sp>
-        </mc:Choice>
-        <mc:Fallback>
-          <p:sp>
-            <p:nvSpPr>
-              <p:cNvPr id="3" name="Content Placeholder 2">
-                <a:extLst>
-                  <a:ext uri="{FF2B5EF4-FFF2-40B4-BE49-F238E27FC236}">
-                    <a16:creationId xmlns:a16="http://schemas.microsoft.com/office/drawing/2014/main" id="{70220D16-AE31-56A1-0F6D-518295486E99}"/>
-                  </a:ext>
-                </a:extLst>
-              </p:cNvPr>
-              <p:cNvSpPr>
-                <a:spLocks noGrp="1" noRot="1" noChangeAspect="1" noMove="1" noResize="1" noEditPoints="1" noAdjustHandles="1" noChangeArrowheads="1" noChangeShapeType="1" noTextEdit="1"/>
-              </p:cNvSpPr>
-              <p:nvPr>
-                <p:ph idx="1"/>
-              </p:nvPr>
-            </p:nvSpPr>
-            <p:spPr>
-              <a:blipFill>
-                <a:blip r:embed="rId2"/>
-                <a:stretch>
-                  <a:fillRect l="-1447" t="-3198" b="-2035"/>
-                </a:stretch>
-              </a:blipFill>
-            </p:spPr>
-            <p:txBody>
-              <a:bodyPr/>
-              <a:lstStyle/>
-              <a:p>
-                <a:r>
-                  <a:rPr lang="tr-TR">
-                    <a:noFill/>
-                  </a:rPr>
-                  <a:t> </a:t>
-                </a:r>
-              </a:p>
-            </p:txBody>
-          </p:sp>
-        </mc:Fallback>
-      </mc:AlternateContent>
-    </p:spTree>
-    <p:extLst>
-      <p:ext uri="{BB962C8B-B14F-4D97-AF65-F5344CB8AC3E}">
-        <p14:creationId xmlns:p14="http://schemas.microsoft.com/office/powerpoint/2010/main" val="1164583832"/>
       </p:ext>
     </p:extLst>
   </p:cSld>
@@ -4901,55 +5176,76 @@
               <a:lstStyle/>
               <a:p>
                 <a:r>
-                  <a:rPr lang="tr-TR" sz="1800" dirty="0"/>
+                  <a:rPr lang="tr-TR" dirty="0"/>
                   <a:t>Başvurular(</a:t>
                 </a:r>
                 <a:r>
-                  <a:rPr lang="tr-TR" sz="1800" dirty="0" err="1"/>
+                  <a:rPr lang="tr-TR" dirty="0" err="1"/>
                   <a:t>TCNo</a:t>
                 </a:r>
                 <a:r>
-                  <a:rPr lang="tr-TR" sz="1800" dirty="0"/>
+                  <a:rPr lang="tr-TR" dirty="0"/>
                   <a:t>, </a:t>
                 </a:r>
                 <a:r>
-                  <a:rPr lang="tr-TR" sz="1800" dirty="0" err="1"/>
+                  <a:rPr lang="tr-TR" dirty="0" err="1"/>
                   <a:t>üni</a:t>
                 </a:r>
                 <a:r>
-                  <a:rPr lang="tr-TR" sz="1800" dirty="0"/>
+                  <a:rPr lang="tr-TR" dirty="0"/>
                   <a:t>, tarih, </a:t>
                 </a:r>
                 <a:r>
-                  <a:rPr lang="tr-TR" sz="1800" dirty="0" err="1"/>
+                  <a:rPr lang="tr-TR" dirty="0" err="1"/>
                   <a:t>anaDal</a:t>
                 </a:r>
                 <a:r>
-                  <a:rPr lang="tr-TR" sz="1800" dirty="0"/>
+                  <a:rPr lang="tr-TR" dirty="0"/>
                   <a:t>, hobi)</a:t>
                 </a:r>
               </a:p>
               <a:p>
                 <a:r>
-                  <a:rPr lang="tr-TR" sz="1800" dirty="0" err="1"/>
+                  <a:rPr lang="tr-TR" sz="2800" dirty="0"/>
+                  <a:t>Hobiler üniversitelere seçici olarak gösteriliyor.</a:t>
+                </a:r>
+              </a:p>
+              <a:p>
+                <a:r>
+                  <a:rPr lang="tr-TR" sz="2800" dirty="0"/>
+                  <a:t>Üniversite adları eşsizdir.</a:t>
+                </a:r>
+              </a:p>
+              <a:p>
+                <a:r>
+                  <a:rPr lang="tr-TR" sz="2800" dirty="0"/>
+                  <a:t>Öğrenci bir gün içinde bir üniversiteye başvurabilir.</a:t>
+                </a:r>
+              </a:p>
+              <a:p>
+                <a:endParaRPr lang="tr-TR" sz="2800" dirty="0"/>
+              </a:p>
+              <a:p>
+                <a:r>
+                  <a:rPr lang="tr-TR" dirty="0" err="1"/>
                   <a:t>TCNo</a:t>
                 </a:r>
                 <a:r>
-                  <a:rPr lang="tr-TR" sz="1800" dirty="0"/>
+                  <a:rPr lang="tr-TR" dirty="0"/>
                   <a:t>, </a:t>
                 </a:r>
                 <a:r>
-                  <a:rPr lang="tr-TR" sz="1800" dirty="0" err="1"/>
+                  <a:rPr lang="tr-TR" dirty="0" err="1"/>
                   <a:t>üni</a:t>
                 </a:r>
                 <a:r>
-                  <a:rPr lang="tr-TR" sz="1800" dirty="0"/>
+                  <a:rPr lang="tr-TR" dirty="0"/>
                   <a:t> </a:t>
                 </a:r>
                 <a14:m>
                   <m:oMath xmlns:m="http://schemas.openxmlformats.org/officeDocument/2006/math">
                     <m:r>
-                      <a:rPr lang="tr-TR" sz="1800" b="0" i="1" smtClean="0">
+                      <a:rPr lang="tr-TR" b="0" i="1" smtClean="0">
                         <a:latin typeface="Cambria Math" panose="02040503050406030204" pitchFamily="18" charset="0"/>
                         <a:ea typeface="Cambria Math" panose="02040503050406030204" pitchFamily="18" charset="0"/>
                       </a:rPr>
@@ -4958,31 +5254,31 @@
                   </m:oMath>
                 </a14:m>
                 <a:r>
-                  <a:rPr lang="tr-TR" sz="1800" dirty="0"/>
+                  <a:rPr lang="tr-TR" dirty="0"/>
                   <a:t> tarih</a:t>
                 </a:r>
               </a:p>
               <a:p>
                 <a:r>
-                  <a:rPr lang="tr-TR" sz="1800" dirty="0" err="1"/>
+                  <a:rPr lang="tr-TR" dirty="0" err="1"/>
                   <a:t>TCNo</a:t>
                 </a:r>
                 <a:r>
-                  <a:rPr lang="tr-TR" sz="1800" dirty="0"/>
+                  <a:rPr lang="tr-TR" dirty="0"/>
                   <a:t>, </a:t>
                 </a:r>
                 <a:r>
-                  <a:rPr lang="tr-TR" sz="1800" dirty="0" err="1"/>
+                  <a:rPr lang="tr-TR" dirty="0" err="1"/>
                   <a:t>üni</a:t>
                 </a:r>
                 <a:r>
-                  <a:rPr lang="tr-TR" sz="1800" dirty="0"/>
+                  <a:rPr lang="tr-TR" dirty="0"/>
                   <a:t>, tarih </a:t>
                 </a:r>
                 <a14:m>
                   <m:oMath xmlns:m="http://schemas.openxmlformats.org/officeDocument/2006/math">
                     <m:r>
-                      <a:rPr lang="tr-TR" sz="1800" i="1" smtClean="0">
+                      <a:rPr lang="tr-TR" i="1" smtClean="0">
                         <a:latin typeface="Cambria Math" panose="02040503050406030204" pitchFamily="18" charset="0"/>
                         <a:ea typeface="Cambria Math" panose="02040503050406030204" pitchFamily="18" charset="0"/>
                       </a:rPr>
@@ -4991,37 +5287,73 @@
                   </m:oMath>
                 </a14:m>
                 <a:r>
-                  <a:rPr lang="tr-TR" sz="1800" dirty="0"/>
-                  <a:t> anaDal</a:t>
-                </a:r>
+                  <a:rPr lang="tr-TR" dirty="0"/>
+                  <a:t> </a:t>
+                </a:r>
+                <a:r>
+                  <a:rPr lang="tr-TR" dirty="0" err="1"/>
+                  <a:t>anaDal</a:t>
+                </a:r>
+                <a:r>
+                  <a:rPr lang="tr-TR" dirty="0"/>
+                  <a:t>    </a:t>
+                </a:r>
+                <a:r>
+                  <a:rPr lang="tr-TR" sz="2000" dirty="0"/>
+                  <a:t>(TCNo, </a:t>
+                </a:r>
+                <a:r>
+                  <a:rPr lang="tr-TR" sz="2000" dirty="0" err="1"/>
+                  <a:t>üni</a:t>
+                </a:r>
+                <a:r>
+                  <a:rPr lang="tr-TR" sz="2000" dirty="0"/>
+                  <a:t>, tarih </a:t>
+                </a:r>
+                <a14:m>
+                  <m:oMath xmlns:m="http://schemas.openxmlformats.org/officeDocument/2006/math">
+                    <m:r>
+                      <a:rPr lang="tr-TR" sz="2000" i="1">
+                        <a:latin typeface="Cambria Math" panose="02040503050406030204" pitchFamily="18" charset="0"/>
+                        <a:ea typeface="Cambria Math" panose="02040503050406030204" pitchFamily="18" charset="0"/>
+                      </a:rPr>
+                      <m:t>↠</m:t>
+                    </m:r>
+                  </m:oMath>
+                </a14:m>
+                <a:r>
+                  <a:rPr lang="tr-TR" sz="2000" dirty="0"/>
+                  <a:t> hobi)</a:t>
+                </a:r>
+                <a:endParaRPr lang="tr-TR" dirty="0"/>
               </a:p>
               <a:p>
                 <a:r>
-                  <a:rPr lang="tr-TR" sz="1800" dirty="0"/>
+                  <a:rPr lang="tr-TR" dirty="0"/>
                   <a:t>Anahtar = </a:t>
                 </a:r>
                 <a:r>
-                  <a:rPr lang="tr-TR" sz="1800" dirty="0" err="1"/>
+                  <a:rPr lang="tr-TR" dirty="0" err="1"/>
                   <a:t>TCNo</a:t>
                 </a:r>
                 <a:r>
-                  <a:rPr lang="tr-TR" sz="1800" dirty="0"/>
+                  <a:rPr lang="tr-TR" dirty="0"/>
                   <a:t>, </a:t>
                 </a:r>
                 <a:r>
-                  <a:rPr lang="tr-TR" sz="1800" dirty="0" err="1"/>
+                  <a:rPr lang="tr-TR" dirty="0" err="1"/>
                   <a:t>üni</a:t>
                 </a:r>
                 <a:r>
-                  <a:rPr lang="tr-TR" sz="1800" dirty="0"/>
+                  <a:rPr lang="tr-TR" dirty="0"/>
                   <a:t>, tarih, </a:t>
                 </a:r>
                 <a:r>
-                  <a:rPr lang="tr-TR" sz="1800" dirty="0" err="1"/>
+                  <a:rPr lang="tr-TR" dirty="0" err="1"/>
                   <a:t>anaDal</a:t>
                 </a:r>
                 <a:r>
-                  <a:rPr lang="tr-TR" sz="1800" dirty="0"/>
+                  <a:rPr lang="tr-TR" dirty="0"/>
                   <a:t>, hobi</a:t>
                 </a:r>
               </a:p>
@@ -5049,7 +5381,7 @@
               <a:blipFill>
                 <a:blip r:embed="rId2"/>
                 <a:stretch>
-                  <a:fillRect l="-482" t="-1163"/>
+                  <a:fillRect l="-1447" t="-2326"/>
                 </a:stretch>
               </a:blipFill>
             </p:spPr>
@@ -5071,7 +5403,7 @@
     </p:spTree>
     <p:extLst>
       <p:ext uri="{BB962C8B-B14F-4D97-AF65-F5344CB8AC3E}">
-        <p14:creationId xmlns:p14="http://schemas.microsoft.com/office/powerpoint/2010/main" val="557793033"/>
+        <p14:creationId xmlns:p14="http://schemas.microsoft.com/office/powerpoint/2010/main" val="1164583832"/>
       </p:ext>
     </p:extLst>
   </p:cSld>
@@ -5126,8 +5458,8 @@
           </a:p>
         </p:txBody>
       </p:sp>
-      <mc:AlternateContent xmlns:mc="http://schemas.openxmlformats.org/markup-compatibility/2006">
-        <mc:Choice xmlns:a14="http://schemas.microsoft.com/office/drawing/2010/main" Requires="a14">
+      <mc:AlternateContent xmlns:mc="http://schemas.openxmlformats.org/markup-compatibility/2006" xmlns:a14="http://schemas.microsoft.com/office/drawing/2010/main">
+        <mc:Choice Requires="a14">
           <p:sp>
             <p:nvSpPr>
               <p:cNvPr id="3" name="Content Placeholder 2">
@@ -5279,7 +5611,7 @@
             </p:txBody>
           </p:sp>
         </mc:Choice>
-        <mc:Fallback>
+        <mc:Fallback xmlns="">
           <p:sp>
             <p:nvSpPr>
               <p:cNvPr id="3" name="Content Placeholder 2">
@@ -5322,7 +5654,7 @@
     </p:spTree>
     <p:extLst>
       <p:ext uri="{BB962C8B-B14F-4D97-AF65-F5344CB8AC3E}">
-        <p14:creationId xmlns:p14="http://schemas.microsoft.com/office/powerpoint/2010/main" val="2225087885"/>
+        <p14:creationId xmlns:p14="http://schemas.microsoft.com/office/powerpoint/2010/main" val="557793033"/>
       </p:ext>
     </p:extLst>
   </p:cSld>
@@ -5377,8 +5709,8 @@
           </a:p>
         </p:txBody>
       </p:sp>
-      <mc:AlternateContent xmlns:mc="http://schemas.openxmlformats.org/markup-compatibility/2006">
-        <mc:Choice xmlns:a14="http://schemas.microsoft.com/office/drawing/2010/main" Requires="a14">
+      <mc:AlternateContent xmlns:mc="http://schemas.openxmlformats.org/markup-compatibility/2006" xmlns:a14="http://schemas.microsoft.com/office/drawing/2010/main">
+        <mc:Choice Requires="a14">
           <p:sp>
             <p:nvSpPr>
               <p:cNvPr id="3" name="Content Placeholder 2">
@@ -5530,7 +5862,7 @@
             </p:txBody>
           </p:sp>
         </mc:Choice>
-        <mc:Fallback>
+        <mc:Fallback xmlns="">
           <p:sp>
             <p:nvSpPr>
               <p:cNvPr id="3" name="Content Placeholder 2">
@@ -5573,6 +5905,257 @@
     </p:spTree>
     <p:extLst>
       <p:ext uri="{BB962C8B-B14F-4D97-AF65-F5344CB8AC3E}">
+        <p14:creationId xmlns:p14="http://schemas.microsoft.com/office/powerpoint/2010/main" val="2225087885"/>
+      </p:ext>
+    </p:extLst>
+  </p:cSld>
+  <p:clrMapOvr>
+    <a:masterClrMapping/>
+  </p:clrMapOvr>
+</p:sld>
+</file>
+
+<file path=ppt/slides/slide17.xml><?xml version="1.0" encoding="utf-8"?>
+<p:sld xmlns:a="http://schemas.openxmlformats.org/drawingml/2006/main" xmlns:r="http://schemas.openxmlformats.org/officeDocument/2006/relationships" xmlns:p="http://schemas.openxmlformats.org/presentationml/2006/main">
+  <p:cSld>
+    <p:spTree>
+      <p:nvGrpSpPr>
+        <p:cNvPr id="1" name=""/>
+        <p:cNvGrpSpPr/>
+        <p:nvPr/>
+      </p:nvGrpSpPr>
+      <p:grpSpPr>
+        <a:xfrm>
+          <a:off x="0" y="0"/>
+          <a:ext cx="0" cy="0"/>
+          <a:chOff x="0" y="0"/>
+          <a:chExt cx="0" cy="0"/>
+        </a:xfrm>
+      </p:grpSpPr>
+      <p:sp>
+        <p:nvSpPr>
+          <p:cNvPr id="2" name="Title 1">
+            <a:extLst>
+              <a:ext uri="{FF2B5EF4-FFF2-40B4-BE49-F238E27FC236}">
+                <a16:creationId xmlns:a16="http://schemas.microsoft.com/office/drawing/2014/main" id="{70169A36-09BA-838B-96CC-3D4BD5DDD6BD}"/>
+              </a:ext>
+            </a:extLst>
+          </p:cNvPr>
+          <p:cNvSpPr>
+            <a:spLocks noGrp="1"/>
+          </p:cNvSpPr>
+          <p:nvPr>
+            <p:ph type="title"/>
+          </p:nvPr>
+        </p:nvSpPr>
+        <p:spPr/>
+        <p:txBody>
+          <a:bodyPr/>
+          <a:lstStyle/>
+          <a:p>
+            <a:r>
+              <a:rPr lang="tr-TR" dirty="0"/>
+              <a:t>Örnek 2</a:t>
+            </a:r>
+          </a:p>
+        </p:txBody>
+      </p:sp>
+      <mc:AlternateContent xmlns:mc="http://schemas.openxmlformats.org/markup-compatibility/2006" xmlns:a14="http://schemas.microsoft.com/office/drawing/2010/main">
+        <mc:Choice Requires="a14">
+          <p:sp>
+            <p:nvSpPr>
+              <p:cNvPr id="3" name="Content Placeholder 2">
+                <a:extLst>
+                  <a:ext uri="{FF2B5EF4-FFF2-40B4-BE49-F238E27FC236}">
+                    <a16:creationId xmlns:a16="http://schemas.microsoft.com/office/drawing/2014/main" id="{70220D16-AE31-56A1-0F6D-518295486E99}"/>
+                  </a:ext>
+                </a:extLst>
+              </p:cNvPr>
+              <p:cNvSpPr>
+                <a:spLocks noGrp="1"/>
+              </p:cNvSpPr>
+              <p:nvPr>
+                <p:ph idx="1"/>
+              </p:nvPr>
+            </p:nvSpPr>
+            <p:spPr/>
+            <p:txBody>
+              <a:bodyPr>
+                <a:normAutofit/>
+              </a:bodyPr>
+              <a:lstStyle/>
+              <a:p>
+                <a:r>
+                  <a:rPr lang="tr-TR" sz="1800" dirty="0"/>
+                  <a:t>Başvurular(</a:t>
+                </a:r>
+                <a:r>
+                  <a:rPr lang="tr-TR" sz="1800" dirty="0" err="1"/>
+                  <a:t>TCNo</a:t>
+                </a:r>
+                <a:r>
+                  <a:rPr lang="tr-TR" sz="1800" dirty="0"/>
+                  <a:t>, </a:t>
+                </a:r>
+                <a:r>
+                  <a:rPr lang="tr-TR" sz="1800" dirty="0" err="1"/>
+                  <a:t>üni</a:t>
+                </a:r>
+                <a:r>
+                  <a:rPr lang="tr-TR" sz="1800" dirty="0"/>
+                  <a:t>, tarih, </a:t>
+                </a:r>
+                <a:r>
+                  <a:rPr lang="tr-TR" sz="1800" dirty="0" err="1"/>
+                  <a:t>anaDal</a:t>
+                </a:r>
+                <a:r>
+                  <a:rPr lang="tr-TR" sz="1800" dirty="0"/>
+                  <a:t>, hobi)</a:t>
+                </a:r>
+              </a:p>
+              <a:p>
+                <a:r>
+                  <a:rPr lang="tr-TR" sz="1800" dirty="0" err="1"/>
+                  <a:t>TCNo</a:t>
+                </a:r>
+                <a:r>
+                  <a:rPr lang="tr-TR" sz="1800" dirty="0"/>
+                  <a:t>, </a:t>
+                </a:r>
+                <a:r>
+                  <a:rPr lang="tr-TR" sz="1800" dirty="0" err="1"/>
+                  <a:t>üni</a:t>
+                </a:r>
+                <a:r>
+                  <a:rPr lang="tr-TR" sz="1800" dirty="0"/>
+                  <a:t> </a:t>
+                </a:r>
+                <a14:m>
+                  <m:oMath xmlns:m="http://schemas.openxmlformats.org/officeDocument/2006/math">
+                    <m:r>
+                      <a:rPr lang="tr-TR" sz="1800" b="0" i="1" smtClean="0">
+                        <a:latin typeface="Cambria Math" panose="02040503050406030204" pitchFamily="18" charset="0"/>
+                        <a:ea typeface="Cambria Math" panose="02040503050406030204" pitchFamily="18" charset="0"/>
+                      </a:rPr>
+                      <m:t>→</m:t>
+                    </m:r>
+                  </m:oMath>
+                </a14:m>
+                <a:r>
+                  <a:rPr lang="tr-TR" sz="1800" dirty="0"/>
+                  <a:t> tarih</a:t>
+                </a:r>
+              </a:p>
+              <a:p>
+                <a:r>
+                  <a:rPr lang="tr-TR" sz="1800" dirty="0" err="1"/>
+                  <a:t>TCNo</a:t>
+                </a:r>
+                <a:r>
+                  <a:rPr lang="tr-TR" sz="1800" dirty="0"/>
+                  <a:t>, </a:t>
+                </a:r>
+                <a:r>
+                  <a:rPr lang="tr-TR" sz="1800" dirty="0" err="1"/>
+                  <a:t>üni</a:t>
+                </a:r>
+                <a:r>
+                  <a:rPr lang="tr-TR" sz="1800" dirty="0"/>
+                  <a:t>, tarih </a:t>
+                </a:r>
+                <a14:m>
+                  <m:oMath xmlns:m="http://schemas.openxmlformats.org/officeDocument/2006/math">
+                    <m:r>
+                      <a:rPr lang="tr-TR" sz="1800" i="1" smtClean="0">
+                        <a:latin typeface="Cambria Math" panose="02040503050406030204" pitchFamily="18" charset="0"/>
+                        <a:ea typeface="Cambria Math" panose="02040503050406030204" pitchFamily="18" charset="0"/>
+                      </a:rPr>
+                      <m:t>↠</m:t>
+                    </m:r>
+                  </m:oMath>
+                </a14:m>
+                <a:r>
+                  <a:rPr lang="tr-TR" sz="1800" dirty="0"/>
+                  <a:t> anaDal</a:t>
+                </a:r>
+              </a:p>
+              <a:p>
+                <a:r>
+                  <a:rPr lang="tr-TR" sz="1800" dirty="0"/>
+                  <a:t>Anahtar = </a:t>
+                </a:r>
+                <a:r>
+                  <a:rPr lang="tr-TR" sz="1800" dirty="0" err="1"/>
+                  <a:t>TCNo</a:t>
+                </a:r>
+                <a:r>
+                  <a:rPr lang="tr-TR" sz="1800" dirty="0"/>
+                  <a:t>, </a:t>
+                </a:r>
+                <a:r>
+                  <a:rPr lang="tr-TR" sz="1800" dirty="0" err="1"/>
+                  <a:t>üni</a:t>
+                </a:r>
+                <a:r>
+                  <a:rPr lang="tr-TR" sz="1800" dirty="0"/>
+                  <a:t>, tarih, </a:t>
+                </a:r>
+                <a:r>
+                  <a:rPr lang="tr-TR" sz="1800" dirty="0" err="1"/>
+                  <a:t>anaDal</a:t>
+                </a:r>
+                <a:r>
+                  <a:rPr lang="tr-TR" sz="1800" dirty="0"/>
+                  <a:t>, hobi</a:t>
+                </a:r>
+              </a:p>
+            </p:txBody>
+          </p:sp>
+        </mc:Choice>
+        <mc:Fallback xmlns="">
+          <p:sp>
+            <p:nvSpPr>
+              <p:cNvPr id="3" name="Content Placeholder 2">
+                <a:extLst>
+                  <a:ext uri="{FF2B5EF4-FFF2-40B4-BE49-F238E27FC236}">
+                    <a16:creationId xmlns:a16="http://schemas.microsoft.com/office/drawing/2014/main" id="{70220D16-AE31-56A1-0F6D-518295486E99}"/>
+                  </a:ext>
+                </a:extLst>
+              </p:cNvPr>
+              <p:cNvSpPr>
+                <a:spLocks noGrp="1" noRot="1" noChangeAspect="1" noMove="1" noResize="1" noEditPoints="1" noAdjustHandles="1" noChangeArrowheads="1" noChangeShapeType="1" noTextEdit="1"/>
+              </p:cNvSpPr>
+              <p:nvPr>
+                <p:ph idx="1"/>
+              </p:nvPr>
+            </p:nvSpPr>
+            <p:spPr>
+              <a:blipFill>
+                <a:blip r:embed="rId2"/>
+                <a:stretch>
+                  <a:fillRect l="-482" t="-1163"/>
+                </a:stretch>
+              </a:blipFill>
+            </p:spPr>
+            <p:txBody>
+              <a:bodyPr/>
+              <a:lstStyle/>
+              <a:p>
+                <a:r>
+                  <a:rPr lang="tr-TR">
+                    <a:noFill/>
+                  </a:rPr>
+                  <a:t> </a:t>
+                </a:r>
+              </a:p>
+            </p:txBody>
+          </p:sp>
+        </mc:Fallback>
+      </mc:AlternateContent>
+    </p:spTree>
+    <p:extLst>
+      <p:ext uri="{BB962C8B-B14F-4D97-AF65-F5344CB8AC3E}">
         <p14:creationId xmlns:p14="http://schemas.microsoft.com/office/powerpoint/2010/main" val="3023204581"/>
       </p:ext>
     </p:extLst>
@@ -5583,7 +6166,7 @@
 </p:sld>
 </file>
 
-<file path=ppt/slides/slide17.xml><?xml version="1.0" encoding="utf-8"?>
+<file path=ppt/slides/slide18.xml><?xml version="1.0" encoding="utf-8"?>
 <p:sld xmlns:a="http://schemas.openxmlformats.org/drawingml/2006/main" xmlns:r="http://schemas.openxmlformats.org/officeDocument/2006/relationships" xmlns:p="http://schemas.openxmlformats.org/presentationml/2006/main">
   <p:cSld>
     <p:spTree>
@@ -6149,8 +6732,8 @@
           </a:p>
         </p:txBody>
       </p:sp>
-      <mc:AlternateContent xmlns:mc="http://schemas.openxmlformats.org/markup-compatibility/2006">
-        <mc:Choice xmlns:a14="http://schemas.microsoft.com/office/drawing/2010/main" Requires="a14">
+      <mc:AlternateContent xmlns:mc="http://schemas.openxmlformats.org/markup-compatibility/2006" xmlns:a14="http://schemas.microsoft.com/office/drawing/2010/main">
+        <mc:Choice Requires="a14">
           <p:sp>
             <p:nvSpPr>
               <p:cNvPr id="3" name="Content Placeholder 2">
@@ -6925,7 +7508,7 @@
             </p:txBody>
           </p:sp>
         </mc:Choice>
-        <mc:Fallback>
+        <mc:Fallback xmlns="">
           <p:sp>
             <p:nvSpPr>
               <p:cNvPr id="3" name="Content Placeholder 2">
@@ -6965,8 +7548,8 @@
           </p:sp>
         </mc:Fallback>
       </mc:AlternateContent>
-      <mc:AlternateContent xmlns:mc="http://schemas.openxmlformats.org/markup-compatibility/2006">
-        <mc:Choice xmlns:a14="http://schemas.microsoft.com/office/drawing/2010/main" Requires="a14">
+      <mc:AlternateContent xmlns:mc="http://schemas.openxmlformats.org/markup-compatibility/2006" xmlns:a14="http://schemas.microsoft.com/office/drawing/2010/main">
+        <mc:Choice Requires="a14">
           <p:graphicFrame>
             <p:nvGraphicFramePr>
               <p:cNvPr id="4" name="Table 4">
@@ -7026,6 +7609,7 @@
                         <a:bodyPr/>
                         <a:lstStyle/>
                         <a:p>
+                          <a:pPr/>
                           <a14:m>
                             <m:oMathPara xmlns:m="http://schemas.openxmlformats.org/officeDocument/2006/math">
                               <m:oMathParaPr>
@@ -7063,6 +7647,7 @@
                         <a:bodyPr/>
                         <a:lstStyle/>
                         <a:p>
+                          <a:pPr/>
                           <a14:m>
                             <m:oMathPara xmlns:m="http://schemas.openxmlformats.org/officeDocument/2006/math">
                               <m:oMathParaPr>
@@ -7269,7 +7854,7 @@
             </a:graphic>
           </p:graphicFrame>
         </mc:Choice>
-        <mc:Fallback>
+        <mc:Fallback xmlns="">
           <p:graphicFrame>
             <p:nvGraphicFramePr>
               <p:cNvPr id="4" name="Table 4">
@@ -7589,8 +8174,8 @@
           </a:p>
         </p:txBody>
       </p:sp>
-      <mc:AlternateContent xmlns:mc="http://schemas.openxmlformats.org/markup-compatibility/2006">
-        <mc:Choice xmlns:a14="http://schemas.microsoft.com/office/drawing/2010/main" Requires="a14">
+      <mc:AlternateContent xmlns:mc="http://schemas.openxmlformats.org/markup-compatibility/2006" xmlns:a14="http://schemas.microsoft.com/office/drawing/2010/main">
+        <mc:Choice Requires="a14">
           <p:sp>
             <p:nvSpPr>
               <p:cNvPr id="3" name="Content Placeholder 2">
@@ -7667,7 +8252,7 @@
             </p:txBody>
           </p:sp>
         </mc:Choice>
-        <mc:Fallback>
+        <mc:Fallback xmlns="">
           <p:sp>
             <p:nvSpPr>
               <p:cNvPr id="3" name="Content Placeholder 2">
@@ -8274,16 +8859,147 @@
           <a:p>
             <a:r>
               <a:rPr lang="tr-TR" sz="2000" dirty="0"/>
-              <a:t>Öğrenci bir gün içinde aynı üniversiteye bir başvuruda bulunabilir. Ancak aynı üniversitenin başka bir ana dalına başka bir gün başvuruda bulunmasında bir sakınca yoktur.</a:t>
+              <a:t>Öğrenci bir gün içinde bir üniversiteye başvurabilir.</a:t>
             </a:r>
           </a:p>
           <a:p>
             <a:endParaRPr lang="tr-TR" sz="2000" dirty="0"/>
           </a:p>
           <a:p>
+            <a:pPr marL="0" indent="0">
+              <a:buNone/>
+            </a:pPr>
+            <a:r>
+              <a:rPr lang="tr-TR" dirty="0"/>
+              <a:t> </a:t>
+            </a:r>
+          </a:p>
+        </p:txBody>
+      </p:sp>
+    </p:spTree>
+    <p:extLst>
+      <p:ext uri="{BB962C8B-B14F-4D97-AF65-F5344CB8AC3E}">
+        <p14:creationId xmlns:p14="http://schemas.microsoft.com/office/powerpoint/2010/main" val="1688677320"/>
+      </p:ext>
+    </p:extLst>
+  </p:cSld>
+  <p:clrMapOvr>
+    <a:masterClrMapping/>
+  </p:clrMapOvr>
+</p:sld>
+</file>
+
+<file path=ppt/slides/slide8.xml><?xml version="1.0" encoding="utf-8"?>
+<p:sld xmlns:a="http://schemas.openxmlformats.org/drawingml/2006/main" xmlns:r="http://schemas.openxmlformats.org/officeDocument/2006/relationships" xmlns:p="http://schemas.openxmlformats.org/presentationml/2006/main">
+  <p:cSld>
+    <p:spTree>
+      <p:nvGrpSpPr>
+        <p:cNvPr id="1" name=""/>
+        <p:cNvGrpSpPr/>
+        <p:nvPr/>
+      </p:nvGrpSpPr>
+      <p:grpSpPr>
+        <a:xfrm>
+          <a:off x="0" y="0"/>
+          <a:ext cx="0" cy="0"/>
+          <a:chOff x="0" y="0"/>
+          <a:chExt cx="0" cy="0"/>
+        </a:xfrm>
+      </p:grpSpPr>
+      <p:sp>
+        <p:nvSpPr>
+          <p:cNvPr id="2" name="Title 1">
+            <a:extLst>
+              <a:ext uri="{FF2B5EF4-FFF2-40B4-BE49-F238E27FC236}">
+                <a16:creationId xmlns:a16="http://schemas.microsoft.com/office/drawing/2014/main" id="{C5AA1FEA-077A-819A-36D4-0963B134AB2A}"/>
+              </a:ext>
+            </a:extLst>
+          </p:cNvPr>
+          <p:cNvSpPr>
+            <a:spLocks noGrp="1"/>
+          </p:cNvSpPr>
+          <p:nvPr>
+            <p:ph type="title"/>
+          </p:nvPr>
+        </p:nvSpPr>
+        <p:spPr/>
+        <p:txBody>
+          <a:bodyPr/>
+          <a:lstStyle/>
+          <a:p>
+            <a:r>
+              <a:rPr lang="tr-TR" dirty="0"/>
+              <a:t>Örnek</a:t>
+            </a:r>
+          </a:p>
+        </p:txBody>
+      </p:sp>
+      <p:sp>
+        <p:nvSpPr>
+          <p:cNvPr id="3" name="Content Placeholder 2">
+            <a:extLst>
+              <a:ext uri="{FF2B5EF4-FFF2-40B4-BE49-F238E27FC236}">
+                <a16:creationId xmlns:a16="http://schemas.microsoft.com/office/drawing/2014/main" id="{C8C9692C-C632-A4F1-C045-DF2E52A70C7E}"/>
+              </a:ext>
+            </a:extLst>
+          </p:cNvPr>
+          <p:cNvSpPr>
+            <a:spLocks noGrp="1"/>
+          </p:cNvSpPr>
+          <p:nvPr>
+            <p:ph idx="1"/>
+          </p:nvPr>
+        </p:nvSpPr>
+        <p:spPr/>
+        <p:txBody>
+          <a:bodyPr/>
+          <a:lstStyle/>
+          <a:p>
             <a:r>
               <a:rPr lang="tr-TR" sz="2000" dirty="0"/>
-              <a:t>FD?</a:t>
+              <a:t>Başvurular(</a:t>
+            </a:r>
+            <a:r>
+              <a:rPr lang="tr-TR" sz="2000" dirty="0" err="1"/>
+              <a:t>TCNo</a:t>
+            </a:r>
+            <a:r>
+              <a:rPr lang="tr-TR" sz="2000" dirty="0"/>
+              <a:t>, </a:t>
+            </a:r>
+            <a:r>
+              <a:rPr lang="tr-TR" sz="2000" dirty="0" err="1"/>
+              <a:t>üni</a:t>
+            </a:r>
+            <a:r>
+              <a:rPr lang="tr-TR" sz="2000" dirty="0"/>
+              <a:t>, tarih, </a:t>
+            </a:r>
+            <a:r>
+              <a:rPr lang="tr-TR" sz="2000" dirty="0" err="1"/>
+              <a:t>anaDal</a:t>
+            </a:r>
+            <a:r>
+              <a:rPr lang="tr-TR" sz="2000" dirty="0"/>
+              <a:t>, hobi)</a:t>
+            </a:r>
+          </a:p>
+          <a:p>
+            <a:r>
+              <a:rPr lang="tr-TR" sz="2000" dirty="0"/>
+              <a:t>Hobiler üniversitelere seçici olarak gösteriliyor.</a:t>
+            </a:r>
+          </a:p>
+          <a:p>
+            <a:r>
+              <a:rPr lang="tr-TR" sz="2000" dirty="0"/>
+              <a:t>Üniversite adları eşsizdir.</a:t>
+            </a:r>
+          </a:p>
+          <a:p>
+            <a:r>
+              <a:rPr lang="tr-TR" sz="2000" dirty="0"/>
+              <a:t>Öğrenci bir gün içinde bir üniversiteye başvurabilir.</a:t>
             </a:r>
           </a:p>
           <a:p>
@@ -8292,7 +9008,16 @@
           <a:p>
             <a:r>
               <a:rPr lang="tr-TR" sz="2000" dirty="0"/>
-              <a:t>MVD?</a:t>
+              <a:t>FD:</a:t>
+            </a:r>
+          </a:p>
+          <a:p>
+            <a:endParaRPr lang="tr-TR" sz="2000" dirty="0"/>
+          </a:p>
+          <a:p>
+            <a:r>
+              <a:rPr lang="tr-TR" sz="2000" dirty="0"/>
+              <a:t>MVD:</a:t>
             </a:r>
           </a:p>
           <a:p>
@@ -8319,7 +9044,7 @@
 </p:sld>
 </file>
 
-<file path=ppt/slides/slide8.xml><?xml version="1.0" encoding="utf-8"?>
+<file path=ppt/slides/slide9.xml><?xml version="1.0" encoding="utf-8"?>
 <p:sld xmlns:a="http://schemas.openxmlformats.org/drawingml/2006/main" xmlns:r="http://schemas.openxmlformats.org/officeDocument/2006/relationships" xmlns:p="http://schemas.openxmlformats.org/presentationml/2006/main">
   <p:cSld>
     <p:spTree>
@@ -8364,8 +9089,8 @@
           </a:p>
         </p:txBody>
       </p:sp>
-      <mc:AlternateContent xmlns:mc="http://schemas.openxmlformats.org/markup-compatibility/2006">
-        <mc:Choice xmlns:a14="http://schemas.microsoft.com/office/drawing/2010/main" Requires="a14">
+      <mc:AlternateContent xmlns:mc="http://schemas.openxmlformats.org/markup-compatibility/2006" xmlns:a14="http://schemas.microsoft.com/office/drawing/2010/main">
+        <mc:Choice Requires="a14">
           <p:sp>
             <p:nvSpPr>
               <p:cNvPr id="3" name="Content Placeholder 2">
@@ -8497,7 +9222,7 @@
             </p:txBody>
           </p:sp>
         </mc:Choice>
-        <mc:Fallback>
+        <mc:Fallback xmlns="">
           <p:sp>
             <p:nvSpPr>
               <p:cNvPr id="3" name="Content Placeholder 2">
@@ -8537,8 +9262,8 @@
           </p:sp>
         </mc:Fallback>
       </mc:AlternateContent>
-      <mc:AlternateContent xmlns:mc="http://schemas.openxmlformats.org/markup-compatibility/2006">
-        <mc:Choice xmlns:a14="http://schemas.microsoft.com/office/drawing/2010/main" Requires="a14">
+      <mc:AlternateContent xmlns:mc="http://schemas.openxmlformats.org/markup-compatibility/2006" xmlns:a14="http://schemas.microsoft.com/office/drawing/2010/main">
+        <mc:Choice Requires="a14">
           <p:graphicFrame>
             <p:nvGraphicFramePr>
               <p:cNvPr id="4" name="Table 4">
@@ -8842,7 +9567,7 @@
             </a:graphic>
           </p:graphicFrame>
         </mc:Choice>
-        <mc:Fallback>
+        <mc:Fallback xmlns="">
           <p:graphicFrame>
             <p:nvGraphicFramePr>
               <p:cNvPr id="4" name="Table 4">
@@ -9109,549 +9834,6 @@
     <p:extLst>
       <p:ext uri="{BB962C8B-B14F-4D97-AF65-F5344CB8AC3E}">
         <p14:creationId xmlns:p14="http://schemas.microsoft.com/office/powerpoint/2010/main" val="1795141033"/>
-      </p:ext>
-    </p:extLst>
-  </p:cSld>
-  <p:clrMapOvr>
-    <a:masterClrMapping/>
-  </p:clrMapOvr>
-</p:sld>
-</file>
-
-<file path=ppt/slides/slide9.xml><?xml version="1.0" encoding="utf-8"?>
-<p:sld xmlns:a="http://schemas.openxmlformats.org/drawingml/2006/main" xmlns:r="http://schemas.openxmlformats.org/officeDocument/2006/relationships" xmlns:p="http://schemas.openxmlformats.org/presentationml/2006/main">
-  <p:cSld>
-    <p:spTree>
-      <p:nvGrpSpPr>
-        <p:cNvPr id="1" name=""/>
-        <p:cNvGrpSpPr/>
-        <p:nvPr/>
-      </p:nvGrpSpPr>
-      <p:grpSpPr>
-        <a:xfrm>
-          <a:off x="0" y="0"/>
-          <a:ext cx="0" cy="0"/>
-          <a:chOff x="0" y="0"/>
-          <a:chExt cx="0" cy="0"/>
-        </a:xfrm>
-      </p:grpSpPr>
-      <p:sp>
-        <p:nvSpPr>
-          <p:cNvPr id="2" name="Title 1">
-            <a:extLst>
-              <a:ext uri="{FF2B5EF4-FFF2-40B4-BE49-F238E27FC236}">
-                <a16:creationId xmlns:a16="http://schemas.microsoft.com/office/drawing/2014/main" id="{E4273244-3A03-28E2-AB0D-D36E651D60C3}"/>
-              </a:ext>
-            </a:extLst>
-          </p:cNvPr>
-          <p:cNvSpPr>
-            <a:spLocks noGrp="1"/>
-          </p:cNvSpPr>
-          <p:nvPr>
-            <p:ph type="title"/>
-          </p:nvPr>
-        </p:nvSpPr>
-        <p:spPr/>
-        <p:txBody>
-          <a:bodyPr/>
-          <a:lstStyle/>
-          <a:p>
-            <a:r>
-              <a:rPr lang="tr-TR" dirty="0"/>
-              <a:t>MVD Kuralları</a:t>
-            </a:r>
-          </a:p>
-        </p:txBody>
-      </p:sp>
-      <mc:AlternateContent xmlns:mc="http://schemas.openxmlformats.org/markup-compatibility/2006">
-        <mc:Choice xmlns:a14="http://schemas.microsoft.com/office/drawing/2010/main" Requires="a14">
-          <p:sp>
-            <p:nvSpPr>
-              <p:cNvPr id="3" name="Content Placeholder 2">
-                <a:extLst>
-                  <a:ext uri="{FF2B5EF4-FFF2-40B4-BE49-F238E27FC236}">
-                    <a16:creationId xmlns:a16="http://schemas.microsoft.com/office/drawing/2014/main" id="{57AE8624-363A-1AA9-8C44-D904A1EC13E7}"/>
-                  </a:ext>
-                </a:extLst>
-              </p:cNvPr>
-              <p:cNvSpPr>
-                <a:spLocks noGrp="1"/>
-              </p:cNvSpPr>
-              <p:nvPr>
-                <p:ph idx="1"/>
-              </p:nvPr>
-            </p:nvSpPr>
-            <p:spPr/>
-            <p:txBody>
-              <a:bodyPr/>
-              <a:lstStyle/>
-              <a:p>
-                <a:r>
-                  <a:rPr lang="tr-TR" dirty="0"/>
-                  <a:t>Kesişim kuralı:</a:t>
-                </a:r>
-              </a:p>
-              <a:p>
-                <a:pPr marL="0" indent="0">
-                  <a:buNone/>
-                </a:pPr>
-                <a:r>
-                  <a:rPr lang="tr-TR" b="0" dirty="0"/>
-                  <a:t>   </a:t>
-                </a:r>
-                <a14:m>
-                  <m:oMath xmlns:m="http://schemas.openxmlformats.org/officeDocument/2006/math">
-                    <m:acc>
-                      <m:accPr>
-                        <m:chr m:val="̅"/>
-                        <m:ctrlPr>
-                          <a:rPr lang="tr-TR" b="0" i="1" smtClean="0">
-                            <a:latin typeface="Cambria Math" panose="02040503050406030204" pitchFamily="18" charset="0"/>
-                          </a:rPr>
-                        </m:ctrlPr>
-                      </m:accPr>
-                      <m:e>
-                        <m:r>
-                          <a:rPr lang="tr-TR" b="0" i="1" smtClean="0">
-                            <a:latin typeface="Cambria Math" panose="02040503050406030204" pitchFamily="18" charset="0"/>
-                          </a:rPr>
-                          <m:t>𝐴</m:t>
-                        </m:r>
-                      </m:e>
-                    </m:acc>
-                    <m:r>
-                      <a:rPr lang="tr-TR" i="1">
-                        <a:latin typeface="Cambria Math" panose="02040503050406030204" pitchFamily="18" charset="0"/>
-                        <a:ea typeface="Cambria Math" panose="02040503050406030204" pitchFamily="18" charset="0"/>
-                      </a:rPr>
-                      <m:t>↠</m:t>
-                    </m:r>
-                    <m:acc>
-                      <m:accPr>
-                        <m:chr m:val="̅"/>
-                        <m:ctrlPr>
-                          <a:rPr lang="tr-TR" b="0" i="1" smtClean="0">
-                            <a:latin typeface="Cambria Math" panose="02040503050406030204" pitchFamily="18" charset="0"/>
-                            <a:ea typeface="Cambria Math" panose="02040503050406030204" pitchFamily="18" charset="0"/>
-                          </a:rPr>
-                        </m:ctrlPr>
-                      </m:accPr>
-                      <m:e>
-                        <m:r>
-                          <a:rPr lang="tr-TR" b="0" i="1" smtClean="0">
-                            <a:latin typeface="Cambria Math" panose="02040503050406030204" pitchFamily="18" charset="0"/>
-                            <a:ea typeface="Cambria Math" panose="02040503050406030204" pitchFamily="18" charset="0"/>
-                          </a:rPr>
-                          <m:t>𝐵</m:t>
-                        </m:r>
-                      </m:e>
-                    </m:acc>
-                  </m:oMath>
-                </a14:m>
-                <a:r>
-                  <a:rPr lang="tr-TR" dirty="0"/>
-                  <a:t> ve </a:t>
-                </a:r>
-                <a14:m>
-                  <m:oMath xmlns:m="http://schemas.openxmlformats.org/officeDocument/2006/math">
-                    <m:acc>
-                      <m:accPr>
-                        <m:chr m:val="̅"/>
-                        <m:ctrlPr>
-                          <a:rPr lang="tr-TR" i="1">
-                            <a:latin typeface="Cambria Math" panose="02040503050406030204" pitchFamily="18" charset="0"/>
-                          </a:rPr>
-                        </m:ctrlPr>
-                      </m:accPr>
-                      <m:e>
-                        <m:r>
-                          <a:rPr lang="tr-TR" i="1">
-                            <a:latin typeface="Cambria Math" panose="02040503050406030204" pitchFamily="18" charset="0"/>
-                          </a:rPr>
-                          <m:t>𝐴</m:t>
-                        </m:r>
-                      </m:e>
-                    </m:acc>
-                    <m:r>
-                      <a:rPr lang="tr-TR" i="1">
-                        <a:latin typeface="Cambria Math" panose="02040503050406030204" pitchFamily="18" charset="0"/>
-                        <a:ea typeface="Cambria Math" panose="02040503050406030204" pitchFamily="18" charset="0"/>
-                      </a:rPr>
-                      <m:t>↠</m:t>
-                    </m:r>
-                    <m:acc>
-                      <m:accPr>
-                        <m:chr m:val="̅"/>
-                        <m:ctrlPr>
-                          <a:rPr lang="tr-TR" i="1">
-                            <a:latin typeface="Cambria Math" panose="02040503050406030204" pitchFamily="18" charset="0"/>
-                            <a:ea typeface="Cambria Math" panose="02040503050406030204" pitchFamily="18" charset="0"/>
-                          </a:rPr>
-                        </m:ctrlPr>
-                      </m:accPr>
-                      <m:e>
-                        <m:r>
-                          <a:rPr lang="tr-TR" b="0" i="1" smtClean="0">
-                            <a:latin typeface="Cambria Math" panose="02040503050406030204" pitchFamily="18" charset="0"/>
-                            <a:ea typeface="Cambria Math" panose="02040503050406030204" pitchFamily="18" charset="0"/>
-                          </a:rPr>
-                          <m:t>𝐶</m:t>
-                        </m:r>
-                      </m:e>
-                    </m:acc>
-                  </m:oMath>
-                </a14:m>
-                <a:r>
-                  <a:rPr lang="tr-TR" dirty="0"/>
-                  <a:t> ise </a:t>
-                </a:r>
-                <a14:m>
-                  <m:oMath xmlns:m="http://schemas.openxmlformats.org/officeDocument/2006/math">
-                    <m:acc>
-                      <m:accPr>
-                        <m:chr m:val="̅"/>
-                        <m:ctrlPr>
-                          <a:rPr lang="tr-TR" i="1">
-                            <a:latin typeface="Cambria Math" panose="02040503050406030204" pitchFamily="18" charset="0"/>
-                          </a:rPr>
-                        </m:ctrlPr>
-                      </m:accPr>
-                      <m:e>
-                        <m:r>
-                          <a:rPr lang="tr-TR" i="1">
-                            <a:latin typeface="Cambria Math" panose="02040503050406030204" pitchFamily="18" charset="0"/>
-                          </a:rPr>
-                          <m:t>𝐴</m:t>
-                        </m:r>
-                      </m:e>
-                    </m:acc>
-                    <m:r>
-                      <a:rPr lang="tr-TR" i="1">
-                        <a:latin typeface="Cambria Math" panose="02040503050406030204" pitchFamily="18" charset="0"/>
-                        <a:ea typeface="Cambria Math" panose="02040503050406030204" pitchFamily="18" charset="0"/>
-                      </a:rPr>
-                      <m:t>↠</m:t>
-                    </m:r>
-                    <m:acc>
-                      <m:accPr>
-                        <m:chr m:val="̅"/>
-                        <m:ctrlPr>
-                          <a:rPr lang="tr-TR" i="1">
-                            <a:latin typeface="Cambria Math" panose="02040503050406030204" pitchFamily="18" charset="0"/>
-                            <a:ea typeface="Cambria Math" panose="02040503050406030204" pitchFamily="18" charset="0"/>
-                          </a:rPr>
-                        </m:ctrlPr>
-                      </m:accPr>
-                      <m:e>
-                        <m:r>
-                          <a:rPr lang="tr-TR" i="1">
-                            <a:latin typeface="Cambria Math" panose="02040503050406030204" pitchFamily="18" charset="0"/>
-                            <a:ea typeface="Cambria Math" panose="02040503050406030204" pitchFamily="18" charset="0"/>
-                          </a:rPr>
-                          <m:t>𝐵</m:t>
-                        </m:r>
-                      </m:e>
-                    </m:acc>
-                    <m:r>
-                      <a:rPr lang="tr-TR" i="1" smtClean="0">
-                        <a:latin typeface="Cambria Math" panose="02040503050406030204" pitchFamily="18" charset="0"/>
-                        <a:ea typeface="Cambria Math" panose="02040503050406030204" pitchFamily="18" charset="0"/>
-                      </a:rPr>
-                      <m:t>∩</m:t>
-                    </m:r>
-                    <m:acc>
-                      <m:accPr>
-                        <m:chr m:val="̅"/>
-                        <m:ctrlPr>
-                          <a:rPr lang="tr-TR" i="1">
-                            <a:latin typeface="Cambria Math" panose="02040503050406030204" pitchFamily="18" charset="0"/>
-                            <a:ea typeface="Cambria Math" panose="02040503050406030204" pitchFamily="18" charset="0"/>
-                          </a:rPr>
-                        </m:ctrlPr>
-                      </m:accPr>
-                      <m:e>
-                        <m:r>
-                          <a:rPr lang="tr-TR" i="1">
-                            <a:latin typeface="Cambria Math" panose="02040503050406030204" pitchFamily="18" charset="0"/>
-                            <a:ea typeface="Cambria Math" panose="02040503050406030204" pitchFamily="18" charset="0"/>
-                          </a:rPr>
-                          <m:t>𝐶</m:t>
-                        </m:r>
-                      </m:e>
-                    </m:acc>
-                  </m:oMath>
-                </a14:m>
-                <a:r>
-                  <a:rPr lang="tr-TR" dirty="0"/>
-                  <a:t>'</a:t>
-                </a:r>
-                <a:r>
-                  <a:rPr lang="tr-TR" dirty="0" err="1"/>
-                  <a:t>dir</a:t>
-                </a:r>
-                <a:r>
-                  <a:rPr lang="tr-TR" dirty="0"/>
-                  <a:t>.</a:t>
-                </a:r>
-              </a:p>
-              <a:p>
-                <a:endParaRPr lang="tr-TR" dirty="0"/>
-              </a:p>
-              <a:p>
-                <a:r>
-                  <a:rPr lang="tr-TR" dirty="0" err="1"/>
-                  <a:t>Geçişkenlik</a:t>
-                </a:r>
-                <a:r>
-                  <a:rPr lang="tr-TR" dirty="0"/>
-                  <a:t> kuralı: </a:t>
-                </a:r>
-              </a:p>
-              <a:p>
-                <a:pPr marL="0" indent="0">
-                  <a:buNone/>
-                </a:pPr>
-                <a:r>
-                  <a:rPr lang="tr-TR" b="0" dirty="0"/>
-                  <a:t>   </a:t>
-                </a:r>
-                <a14:m>
-                  <m:oMath xmlns:m="http://schemas.openxmlformats.org/officeDocument/2006/math">
-                    <m:acc>
-                      <m:accPr>
-                        <m:chr m:val="̅"/>
-                        <m:ctrlPr>
-                          <a:rPr lang="tr-TR" b="0" i="1" smtClean="0">
-                            <a:latin typeface="Cambria Math" panose="02040503050406030204" pitchFamily="18" charset="0"/>
-                          </a:rPr>
-                        </m:ctrlPr>
-                      </m:accPr>
-                      <m:e>
-                        <m:r>
-                          <a:rPr lang="tr-TR" b="0" i="1" smtClean="0">
-                            <a:latin typeface="Cambria Math" panose="02040503050406030204" pitchFamily="18" charset="0"/>
-                          </a:rPr>
-                          <m:t>𝐴</m:t>
-                        </m:r>
-                      </m:e>
-                    </m:acc>
-                    <m:r>
-                      <a:rPr lang="tr-TR" i="1">
-                        <a:latin typeface="Cambria Math" panose="02040503050406030204" pitchFamily="18" charset="0"/>
-                        <a:ea typeface="Cambria Math" panose="02040503050406030204" pitchFamily="18" charset="0"/>
-                      </a:rPr>
-                      <m:t>↠</m:t>
-                    </m:r>
-                    <m:acc>
-                      <m:accPr>
-                        <m:chr m:val="̅"/>
-                        <m:ctrlPr>
-                          <a:rPr lang="tr-TR" b="0" i="1" smtClean="0">
-                            <a:latin typeface="Cambria Math" panose="02040503050406030204" pitchFamily="18" charset="0"/>
-                            <a:ea typeface="Cambria Math" panose="02040503050406030204" pitchFamily="18" charset="0"/>
-                          </a:rPr>
-                        </m:ctrlPr>
-                      </m:accPr>
-                      <m:e>
-                        <m:r>
-                          <a:rPr lang="tr-TR" b="0" i="1" smtClean="0">
-                            <a:latin typeface="Cambria Math" panose="02040503050406030204" pitchFamily="18" charset="0"/>
-                            <a:ea typeface="Cambria Math" panose="02040503050406030204" pitchFamily="18" charset="0"/>
-                          </a:rPr>
-                          <m:t>𝐵</m:t>
-                        </m:r>
-                      </m:e>
-                    </m:acc>
-                  </m:oMath>
-                </a14:m>
-                <a:r>
-                  <a:rPr lang="tr-TR" dirty="0"/>
-                  <a:t> ve </a:t>
-                </a:r>
-                <a14:m>
-                  <m:oMath xmlns:m="http://schemas.openxmlformats.org/officeDocument/2006/math">
-                    <m:acc>
-                      <m:accPr>
-                        <m:chr m:val="̅"/>
-                        <m:ctrlPr>
-                          <a:rPr lang="tr-TR" i="1">
-                            <a:latin typeface="Cambria Math" panose="02040503050406030204" pitchFamily="18" charset="0"/>
-                          </a:rPr>
-                        </m:ctrlPr>
-                      </m:accPr>
-                      <m:e>
-                        <m:r>
-                          <a:rPr lang="tr-TR" b="0" i="1" smtClean="0">
-                            <a:latin typeface="Cambria Math" panose="02040503050406030204" pitchFamily="18" charset="0"/>
-                          </a:rPr>
-                          <m:t>𝐵</m:t>
-                        </m:r>
-                      </m:e>
-                    </m:acc>
-                    <m:r>
-                      <a:rPr lang="tr-TR" i="1">
-                        <a:latin typeface="Cambria Math" panose="02040503050406030204" pitchFamily="18" charset="0"/>
-                        <a:ea typeface="Cambria Math" panose="02040503050406030204" pitchFamily="18" charset="0"/>
-                      </a:rPr>
-                      <m:t>↠</m:t>
-                    </m:r>
-                    <m:acc>
-                      <m:accPr>
-                        <m:chr m:val="̅"/>
-                        <m:ctrlPr>
-                          <a:rPr lang="tr-TR" i="1">
-                            <a:latin typeface="Cambria Math" panose="02040503050406030204" pitchFamily="18" charset="0"/>
-                            <a:ea typeface="Cambria Math" panose="02040503050406030204" pitchFamily="18" charset="0"/>
-                          </a:rPr>
-                        </m:ctrlPr>
-                      </m:accPr>
-                      <m:e>
-                        <m:r>
-                          <a:rPr lang="tr-TR" b="0" i="1" smtClean="0">
-                            <a:latin typeface="Cambria Math" panose="02040503050406030204" pitchFamily="18" charset="0"/>
-                            <a:ea typeface="Cambria Math" panose="02040503050406030204" pitchFamily="18" charset="0"/>
-                          </a:rPr>
-                          <m:t>𝐶</m:t>
-                        </m:r>
-                      </m:e>
-                    </m:acc>
-                  </m:oMath>
-                </a14:m>
-                <a:r>
-                  <a:rPr lang="tr-TR" dirty="0"/>
-                  <a:t> ise </a:t>
-                </a:r>
-                <a14:m>
-                  <m:oMath xmlns:m="http://schemas.openxmlformats.org/officeDocument/2006/math">
-                    <m:acc>
-                      <m:accPr>
-                        <m:chr m:val="̅"/>
-                        <m:ctrlPr>
-                          <a:rPr lang="tr-TR" i="1">
-                            <a:latin typeface="Cambria Math" panose="02040503050406030204" pitchFamily="18" charset="0"/>
-                          </a:rPr>
-                        </m:ctrlPr>
-                      </m:accPr>
-                      <m:e>
-                        <m:r>
-                          <a:rPr lang="tr-TR" i="1">
-                            <a:latin typeface="Cambria Math" panose="02040503050406030204" pitchFamily="18" charset="0"/>
-                          </a:rPr>
-                          <m:t>𝐴</m:t>
-                        </m:r>
-                      </m:e>
-                    </m:acc>
-                    <m:r>
-                      <a:rPr lang="tr-TR" i="1">
-                        <a:latin typeface="Cambria Math" panose="02040503050406030204" pitchFamily="18" charset="0"/>
-                        <a:ea typeface="Cambria Math" panose="02040503050406030204" pitchFamily="18" charset="0"/>
-                      </a:rPr>
-                      <m:t>↠</m:t>
-                    </m:r>
-                    <m:acc>
-                      <m:accPr>
-                        <m:chr m:val="̅"/>
-                        <m:ctrlPr>
-                          <a:rPr lang="tr-TR" i="1">
-                            <a:latin typeface="Cambria Math" panose="02040503050406030204" pitchFamily="18" charset="0"/>
-                            <a:ea typeface="Cambria Math" panose="02040503050406030204" pitchFamily="18" charset="0"/>
-                          </a:rPr>
-                        </m:ctrlPr>
-                      </m:accPr>
-                      <m:e>
-                        <m:r>
-                          <a:rPr lang="tr-TR" b="0" i="1" smtClean="0">
-                            <a:latin typeface="Cambria Math" panose="02040503050406030204" pitchFamily="18" charset="0"/>
-                            <a:ea typeface="Cambria Math" panose="02040503050406030204" pitchFamily="18" charset="0"/>
-                          </a:rPr>
-                          <m:t>𝐶</m:t>
-                        </m:r>
-                      </m:e>
-                    </m:acc>
-                    <m:r>
-                      <a:rPr lang="tr-TR" b="0" i="1" smtClean="0">
-                        <a:latin typeface="Cambria Math" panose="02040503050406030204" pitchFamily="18" charset="0"/>
-                        <a:ea typeface="Cambria Math" panose="02040503050406030204" pitchFamily="18" charset="0"/>
-                      </a:rPr>
-                      <m:t>−</m:t>
-                    </m:r>
-                    <m:acc>
-                      <m:accPr>
-                        <m:chr m:val="̅"/>
-                        <m:ctrlPr>
-                          <a:rPr lang="tr-TR" i="1">
-                            <a:latin typeface="Cambria Math" panose="02040503050406030204" pitchFamily="18" charset="0"/>
-                            <a:ea typeface="Cambria Math" panose="02040503050406030204" pitchFamily="18" charset="0"/>
-                          </a:rPr>
-                        </m:ctrlPr>
-                      </m:accPr>
-                      <m:e>
-                        <m:r>
-                          <a:rPr lang="tr-TR" b="0" i="1" smtClean="0">
-                            <a:latin typeface="Cambria Math" panose="02040503050406030204" pitchFamily="18" charset="0"/>
-                            <a:ea typeface="Cambria Math" panose="02040503050406030204" pitchFamily="18" charset="0"/>
-                          </a:rPr>
-                          <m:t>𝐵</m:t>
-                        </m:r>
-                      </m:e>
-                    </m:acc>
-                  </m:oMath>
-                </a14:m>
-                <a:r>
-                  <a:rPr lang="tr-TR" dirty="0"/>
-                  <a:t>'dir.</a:t>
-                </a:r>
-              </a:p>
-              <a:p>
-                <a:endParaRPr lang="tr-TR" dirty="0"/>
-              </a:p>
-            </p:txBody>
-          </p:sp>
-        </mc:Choice>
-        <mc:Fallback>
-          <p:sp>
-            <p:nvSpPr>
-              <p:cNvPr id="3" name="Content Placeholder 2">
-                <a:extLst>
-                  <a:ext uri="{FF2B5EF4-FFF2-40B4-BE49-F238E27FC236}">
-                    <a16:creationId xmlns:a16="http://schemas.microsoft.com/office/drawing/2014/main" id="{57AE8624-363A-1AA9-8C44-D904A1EC13E7}"/>
-                  </a:ext>
-                </a:extLst>
-              </p:cNvPr>
-              <p:cNvSpPr>
-                <a:spLocks noGrp="1" noRot="1" noChangeAspect="1" noMove="1" noResize="1" noEditPoints="1" noAdjustHandles="1" noChangeArrowheads="1" noChangeShapeType="1" noTextEdit="1"/>
-              </p:cNvSpPr>
-              <p:nvPr>
-                <p:ph idx="1"/>
-              </p:nvPr>
-            </p:nvSpPr>
-            <p:spPr>
-              <a:blipFill>
-                <a:blip r:embed="rId2"/>
-                <a:stretch>
-                  <a:fillRect l="-1447" t="-2326"/>
-                </a:stretch>
-              </a:blipFill>
-            </p:spPr>
-            <p:txBody>
-              <a:bodyPr/>
-              <a:lstStyle/>
-              <a:p>
-                <a:r>
-                  <a:rPr lang="tr-TR">
-                    <a:noFill/>
-                  </a:rPr>
-                  <a:t> </a:t>
-                </a:r>
-              </a:p>
-            </p:txBody>
-          </p:sp>
-        </mc:Fallback>
-      </mc:AlternateContent>
-    </p:spTree>
-    <p:extLst>
-      <p:ext uri="{BB962C8B-B14F-4D97-AF65-F5344CB8AC3E}">
-        <p14:creationId xmlns:p14="http://schemas.microsoft.com/office/powerpoint/2010/main" val="2362466070"/>
       </p:ext>
     </p:extLst>
   </p:cSld>

--- a/Slides/Ders 6 4NF.pptx
+++ b/Slides/Ders 6 4NF.pptx
@@ -214,7 +214,7 @@
           <a:p>
             <a:fld id="{DD4244C5-5D67-C540-97C4-F007CFC432EF}" type="datetimeFigureOut">
               <a:rPr lang="tr-TR" smtClean="0"/>
-              <a:t>4.05.2023</a:t>
+              <a:t>27.04.2024</a:t>
             </a:fld>
             <a:endParaRPr lang="tr-TR"/>
           </a:p>
@@ -613,7 +613,7 @@
           <a:p>
             <a:fld id="{26396F4E-1D0B-3F44-AA0F-A3430AE5742F}" type="datetimeFigureOut">
               <a:rPr lang="tr-TR" smtClean="0"/>
-              <a:t>4.05.2023</a:t>
+              <a:t>27.04.2024</a:t>
             </a:fld>
             <a:endParaRPr lang="tr-TR"/>
           </a:p>
@@ -783,7 +783,7 @@
           <a:p>
             <a:fld id="{26396F4E-1D0B-3F44-AA0F-A3430AE5742F}" type="datetimeFigureOut">
               <a:rPr lang="tr-TR" smtClean="0"/>
-              <a:t>4.05.2023</a:t>
+              <a:t>27.04.2024</a:t>
             </a:fld>
             <a:endParaRPr lang="tr-TR"/>
           </a:p>
@@ -963,7 +963,7 @@
           <a:p>
             <a:fld id="{26396F4E-1D0B-3F44-AA0F-A3430AE5742F}" type="datetimeFigureOut">
               <a:rPr lang="tr-TR" smtClean="0"/>
-              <a:t>4.05.2023</a:t>
+              <a:t>27.04.2024</a:t>
             </a:fld>
             <a:endParaRPr lang="tr-TR"/>
           </a:p>
@@ -1133,7 +1133,7 @@
           <a:p>
             <a:fld id="{26396F4E-1D0B-3F44-AA0F-A3430AE5742F}" type="datetimeFigureOut">
               <a:rPr lang="tr-TR" smtClean="0"/>
-              <a:t>4.05.2023</a:t>
+              <a:t>27.04.2024</a:t>
             </a:fld>
             <a:endParaRPr lang="tr-TR"/>
           </a:p>
@@ -1377,7 +1377,7 @@
           <a:p>
             <a:fld id="{26396F4E-1D0B-3F44-AA0F-A3430AE5742F}" type="datetimeFigureOut">
               <a:rPr lang="tr-TR" smtClean="0"/>
-              <a:t>4.05.2023</a:t>
+              <a:t>27.04.2024</a:t>
             </a:fld>
             <a:endParaRPr lang="tr-TR"/>
           </a:p>
@@ -1609,7 +1609,7 @@
           <a:p>
             <a:fld id="{26396F4E-1D0B-3F44-AA0F-A3430AE5742F}" type="datetimeFigureOut">
               <a:rPr lang="tr-TR" smtClean="0"/>
-              <a:t>4.05.2023</a:t>
+              <a:t>27.04.2024</a:t>
             </a:fld>
             <a:endParaRPr lang="tr-TR"/>
           </a:p>
@@ -1976,7 +1976,7 @@
           <a:p>
             <a:fld id="{26396F4E-1D0B-3F44-AA0F-A3430AE5742F}" type="datetimeFigureOut">
               <a:rPr lang="tr-TR" smtClean="0"/>
-              <a:t>4.05.2023</a:t>
+              <a:t>27.04.2024</a:t>
             </a:fld>
             <a:endParaRPr lang="tr-TR"/>
           </a:p>
@@ -2094,7 +2094,7 @@
           <a:p>
             <a:fld id="{26396F4E-1D0B-3F44-AA0F-A3430AE5742F}" type="datetimeFigureOut">
               <a:rPr lang="tr-TR" smtClean="0"/>
-              <a:t>4.05.2023</a:t>
+              <a:t>27.04.2024</a:t>
             </a:fld>
             <a:endParaRPr lang="tr-TR"/>
           </a:p>
@@ -2189,7 +2189,7 @@
           <a:p>
             <a:fld id="{26396F4E-1D0B-3F44-AA0F-A3430AE5742F}" type="datetimeFigureOut">
               <a:rPr lang="tr-TR" smtClean="0"/>
-              <a:t>4.05.2023</a:t>
+              <a:t>27.04.2024</a:t>
             </a:fld>
             <a:endParaRPr lang="tr-TR"/>
           </a:p>
@@ -2466,7 +2466,7 @@
           <a:p>
             <a:fld id="{26396F4E-1D0B-3F44-AA0F-A3430AE5742F}" type="datetimeFigureOut">
               <a:rPr lang="tr-TR" smtClean="0"/>
-              <a:t>4.05.2023</a:t>
+              <a:t>27.04.2024</a:t>
             </a:fld>
             <a:endParaRPr lang="tr-TR"/>
           </a:p>
@@ -2723,7 +2723,7 @@
           <a:p>
             <a:fld id="{26396F4E-1D0B-3F44-AA0F-A3430AE5742F}" type="datetimeFigureOut">
               <a:rPr lang="tr-TR" smtClean="0"/>
-              <a:t>4.05.2023</a:t>
+              <a:t>27.04.2024</a:t>
             </a:fld>
             <a:endParaRPr lang="tr-TR"/>
           </a:p>
@@ -2936,7 +2936,7 @@
           <a:p>
             <a:fld id="{26396F4E-1D0B-3F44-AA0F-A3430AE5742F}" type="datetimeFigureOut">
               <a:rPr lang="tr-TR" smtClean="0"/>
-              <a:t>4.05.2023</a:t>
+              <a:t>27.04.2024</a:t>
             </a:fld>
             <a:endParaRPr lang="tr-TR"/>
           </a:p>
@@ -3525,8 +3525,13 @@
           <a:p>
             <a:r>
               <a:rPr lang="tr-TR" dirty="0"/>
-              <a:t>Oda: 329</a:t>
-            </a:r>
+              <a:t>Oda</a:t>
+            </a:r>
+            <a:r>
+              <a:rPr lang="tr-TR"/>
+              <a:t>: 335</a:t>
+            </a:r>
+            <a:endParaRPr lang="tr-TR" dirty="0"/>
           </a:p>
         </p:txBody>
       </p:sp>
@@ -5150,8 +5155,8 @@
           </a:p>
         </p:txBody>
       </p:sp>
-      <mc:AlternateContent xmlns:mc="http://schemas.openxmlformats.org/markup-compatibility/2006">
-        <mc:Choice xmlns:a14="http://schemas.microsoft.com/office/drawing/2010/main" Requires="a14">
+      <mc:AlternateContent xmlns:mc="http://schemas.openxmlformats.org/markup-compatibility/2006" xmlns:a14="http://schemas.microsoft.com/office/drawing/2010/main">
+        <mc:Choice Requires="a14">
           <p:sp>
             <p:nvSpPr>
               <p:cNvPr id="3" name="Content Placeholder 2">
@@ -5360,7 +5365,7 @@
             </p:txBody>
           </p:sp>
         </mc:Choice>
-        <mc:Fallback>
+        <mc:Fallback xmlns="">
           <p:sp>
             <p:nvSpPr>
               <p:cNvPr id="3" name="Content Placeholder 2">
